--- a/capstone_project-PRESENTATION.pptx
+++ b/capstone_project-PRESENTATION.pptx
@@ -7,6 +7,11 @@
   <p:sldIdLst>
     <p:sldId id="256" r:id="rId2"/>
     <p:sldId id="257" r:id="rId3"/>
+    <p:sldId id="258" r:id="rId4"/>
+    <p:sldId id="259" r:id="rId5"/>
+    <p:sldId id="260" r:id="rId6"/>
+    <p:sldId id="261" r:id="rId7"/>
+    <p:sldId id="262" r:id="rId8"/>
   </p:sldIdLst>
   <p:sldSz cx="12192000" cy="6858000"/>
   <p:notesSz cx="6858000" cy="9144000"/>
@@ -105,13 +110,18 @@
       </a:defRPr>
     </a:lvl9pPr>
   </p:defaultTextStyle>
+  <p:extLst>
+    <p:ext uri="{EFAFB233-063F-42B5-8137-9DF3F51BA10A}">
+      <p15:sldGuideLst xmlns:p15="http://schemas.microsoft.com/office/powerpoint/2012/main"/>
+    </p:ext>
+  </p:extLst>
 </p:presentation>
 </file>
 
 <file path=ppt/revisionInfo.xml><?xml version="1.0" encoding="utf-8"?>
 <p1510:revInfo xmlns:a="http://schemas.openxmlformats.org/drawingml/2006/main" xmlns:r="http://schemas.openxmlformats.org/officeDocument/2006/relationships" xmlns:p1510="http://schemas.microsoft.com/office/powerpoint/2015/10/main">
   <p1510:revLst>
-    <p1510:client id="{3DE29276-61B2-493F-81B4-E97F51172E6B}" v="3" dt="2020-04-13T13:32:00.452"/>
+    <p1510:client id="{3DE29276-61B2-493F-81B4-E97F51172E6B}" v="28" dt="2020-04-14T17:51:14.835"/>
   </p1510:revLst>
 </p1510:revInfo>
 </file>
@@ -120,19 +130,19 @@
 <pc:chgInfo xmlns:a="http://schemas.openxmlformats.org/drawingml/2006/main" xmlns:r="http://schemas.openxmlformats.org/officeDocument/2006/relationships" xmlns:ac="http://schemas.microsoft.com/office/drawing/2013/main/command" xmlns:pc="http://schemas.microsoft.com/office/powerpoint/2013/main/command">
   <pc:docChgLst>
     <pc:chgData name="Torben Flickinger" userId="7846d8088bcdeeb5" providerId="LiveId" clId="{3DE29276-61B2-493F-81B4-E97F51172E6B}"/>
-    <pc:docChg chg="custSel addSld modSld">
-      <pc:chgData name="Torben Flickinger" userId="7846d8088bcdeeb5" providerId="LiveId" clId="{3DE29276-61B2-493F-81B4-E97F51172E6B}" dt="2020-04-13T13:33:29.588" v="267" actId="20577"/>
+    <pc:docChg chg="undo custSel mod addSld modSld sldOrd modMainMaster">
+      <pc:chgData name="Torben Flickinger" userId="7846d8088bcdeeb5" providerId="LiveId" clId="{3DE29276-61B2-493F-81B4-E97F51172E6B}" dt="2020-04-14T17:51:33.261" v="1209" actId="1076"/>
       <pc:docMkLst>
         <pc:docMk/>
       </pc:docMkLst>
-      <pc:sldChg chg="addSp modSp mod">
-        <pc:chgData name="Torben Flickinger" userId="7846d8088bcdeeb5" providerId="LiveId" clId="{3DE29276-61B2-493F-81B4-E97F51172E6B}" dt="2020-04-13T13:31:17.904" v="79" actId="1076"/>
+      <pc:sldChg chg="addSp modSp mod setBg setClrOvrMap">
+        <pc:chgData name="Torben Flickinger" userId="7846d8088bcdeeb5" providerId="LiveId" clId="{3DE29276-61B2-493F-81B4-E97F51172E6B}" dt="2020-04-14T17:40:41.208" v="892" actId="14100"/>
         <pc:sldMkLst>
           <pc:docMk/>
           <pc:sldMk cId="2335929072" sldId="256"/>
         </pc:sldMkLst>
         <pc:spChg chg="mod">
-          <ac:chgData name="Torben Flickinger" userId="7846d8088bcdeeb5" providerId="LiveId" clId="{3DE29276-61B2-493F-81B4-E97F51172E6B}" dt="2020-04-13T13:30:51.024" v="43" actId="14100"/>
+          <ac:chgData name="Torben Flickinger" userId="7846d8088bcdeeb5" providerId="LiveId" clId="{3DE29276-61B2-493F-81B4-E97F51172E6B}" dt="2020-04-14T17:40:41.208" v="892" actId="14100"/>
           <ac:spMkLst>
             <pc:docMk/>
             <pc:sldMk cId="2335929072" sldId="256"/>
@@ -140,15 +150,47 @@
           </ac:spMkLst>
         </pc:spChg>
         <pc:spChg chg="mod">
-          <ac:chgData name="Torben Flickinger" userId="7846d8088bcdeeb5" providerId="LiveId" clId="{3DE29276-61B2-493F-81B4-E97F51172E6B}" dt="2020-04-13T13:31:14.822" v="78" actId="20577"/>
+          <ac:chgData name="Torben Flickinger" userId="7846d8088bcdeeb5" providerId="LiveId" clId="{3DE29276-61B2-493F-81B4-E97F51172E6B}" dt="2020-04-14T17:40:19.559" v="891" actId="26606"/>
           <ac:spMkLst>
             <pc:docMk/>
             <pc:sldMk cId="2335929072" sldId="256"/>
             <ac:spMk id="3" creationId="{EEDB3F30-98A3-46D8-9E9F-920F48579780}"/>
           </ac:spMkLst>
         </pc:spChg>
-        <pc:picChg chg="add mod">
-          <ac:chgData name="Torben Flickinger" userId="7846d8088bcdeeb5" providerId="LiveId" clId="{3DE29276-61B2-493F-81B4-E97F51172E6B}" dt="2020-04-13T13:31:17.904" v="79" actId="1076"/>
+        <pc:spChg chg="add">
+          <ac:chgData name="Torben Flickinger" userId="7846d8088bcdeeb5" providerId="LiveId" clId="{3DE29276-61B2-493F-81B4-E97F51172E6B}" dt="2020-04-14T17:40:19.559" v="891" actId="26606"/>
+          <ac:spMkLst>
+            <pc:docMk/>
+            <pc:sldMk cId="2335929072" sldId="256"/>
+            <ac:spMk id="10" creationId="{0671A8AE-40A1-4631-A6B8-581AFF065482}"/>
+          </ac:spMkLst>
+        </pc:spChg>
+        <pc:spChg chg="add">
+          <ac:chgData name="Torben Flickinger" userId="7846d8088bcdeeb5" providerId="LiveId" clId="{3DE29276-61B2-493F-81B4-E97F51172E6B}" dt="2020-04-14T17:40:19.559" v="891" actId="26606"/>
+          <ac:spMkLst>
+            <pc:docMk/>
+            <pc:sldMk cId="2335929072" sldId="256"/>
+            <ac:spMk id="12" creationId="{AB58EF07-17C2-48CF-ABB0-EEF1F17CB8F0}"/>
+          </ac:spMkLst>
+        </pc:spChg>
+        <pc:spChg chg="add">
+          <ac:chgData name="Torben Flickinger" userId="7846d8088bcdeeb5" providerId="LiveId" clId="{3DE29276-61B2-493F-81B4-E97F51172E6B}" dt="2020-04-14T17:40:19.559" v="891" actId="26606"/>
+          <ac:spMkLst>
+            <pc:docMk/>
+            <pc:sldMk cId="2335929072" sldId="256"/>
+            <ac:spMk id="14" creationId="{AF2F604E-43BE-4DC3-B983-E071523364F8}"/>
+          </ac:spMkLst>
+        </pc:spChg>
+        <pc:spChg chg="add">
+          <ac:chgData name="Torben Flickinger" userId="7846d8088bcdeeb5" providerId="LiveId" clId="{3DE29276-61B2-493F-81B4-E97F51172E6B}" dt="2020-04-14T17:40:19.559" v="891" actId="26606"/>
+          <ac:spMkLst>
+            <pc:docMk/>
+            <pc:sldMk cId="2335929072" sldId="256"/>
+            <ac:spMk id="16" creationId="{08C9B587-E65E-4B52-B37C-ABEBB6E87928}"/>
+          </ac:spMkLst>
+        </pc:spChg>
+        <pc:picChg chg="add mod ord">
+          <ac:chgData name="Torben Flickinger" userId="7846d8088bcdeeb5" providerId="LiveId" clId="{3DE29276-61B2-493F-81B4-E97F51172E6B}" dt="2020-04-14T17:40:19.559" v="891" actId="26606"/>
           <ac:picMkLst>
             <pc:docMk/>
             <pc:sldMk cId="2335929072" sldId="256"/>
@@ -156,14 +198,14 @@
           </ac:picMkLst>
         </pc:picChg>
       </pc:sldChg>
-      <pc:sldChg chg="modSp add mod">
-        <pc:chgData name="Torben Flickinger" userId="7846d8088bcdeeb5" providerId="LiveId" clId="{3DE29276-61B2-493F-81B4-E97F51172E6B}" dt="2020-04-13T13:33:29.588" v="267" actId="20577"/>
+      <pc:sldChg chg="addSp modSp add mod setBg">
+        <pc:chgData name="Torben Flickinger" userId="7846d8088bcdeeb5" providerId="LiveId" clId="{3DE29276-61B2-493F-81B4-E97F51172E6B}" dt="2020-04-14T17:40:52.883" v="893" actId="26606"/>
         <pc:sldMkLst>
           <pc:docMk/>
           <pc:sldMk cId="2812569982" sldId="257"/>
         </pc:sldMkLst>
         <pc:spChg chg="mod">
-          <ac:chgData name="Torben Flickinger" userId="7846d8088bcdeeb5" providerId="LiveId" clId="{3DE29276-61B2-493F-81B4-E97F51172E6B}" dt="2020-04-13T13:31:38.205" v="126" actId="20577"/>
+          <ac:chgData name="Torben Flickinger" userId="7846d8088bcdeeb5" providerId="LiveId" clId="{3DE29276-61B2-493F-81B4-E97F51172E6B}" dt="2020-04-14T17:40:52.883" v="893" actId="26606"/>
           <ac:spMkLst>
             <pc:docMk/>
             <pc:sldMk cId="2812569982" sldId="257"/>
@@ -171,14 +213,307 @@
           </ac:spMkLst>
         </pc:spChg>
         <pc:spChg chg="mod">
-          <ac:chgData name="Torben Flickinger" userId="7846d8088bcdeeb5" providerId="LiveId" clId="{3DE29276-61B2-493F-81B4-E97F51172E6B}" dt="2020-04-13T13:33:29.588" v="267" actId="20577"/>
+          <ac:chgData name="Torben Flickinger" userId="7846d8088bcdeeb5" providerId="LiveId" clId="{3DE29276-61B2-493F-81B4-E97F51172E6B}" dt="2020-04-14T17:40:52.883" v="893" actId="26606"/>
           <ac:spMkLst>
             <pc:docMk/>
             <pc:sldMk cId="2812569982" sldId="257"/>
             <ac:spMk id="3" creationId="{9B01B357-79C4-429E-8F5A-AE5AAD152CD9}"/>
           </ac:spMkLst>
         </pc:spChg>
+        <pc:spChg chg="add">
+          <ac:chgData name="Torben Flickinger" userId="7846d8088bcdeeb5" providerId="LiveId" clId="{3DE29276-61B2-493F-81B4-E97F51172E6B}" dt="2020-04-14T17:40:52.883" v="893" actId="26606"/>
+          <ac:spMkLst>
+            <pc:docMk/>
+            <pc:sldMk cId="2812569982" sldId="257"/>
+            <ac:spMk id="8" creationId="{907EF6B7-1338-4443-8C46-6A318D952DFD}"/>
+          </ac:spMkLst>
+        </pc:spChg>
+        <pc:spChg chg="add">
+          <ac:chgData name="Torben Flickinger" userId="7846d8088bcdeeb5" providerId="LiveId" clId="{3DE29276-61B2-493F-81B4-E97F51172E6B}" dt="2020-04-14T17:40:52.883" v="893" actId="26606"/>
+          <ac:spMkLst>
+            <pc:docMk/>
+            <pc:sldMk cId="2812569982" sldId="257"/>
+            <ac:spMk id="10" creationId="{DAAE4CDD-124C-4DCF-9584-B6033B545DD5}"/>
+          </ac:spMkLst>
+        </pc:spChg>
+        <pc:spChg chg="add">
+          <ac:chgData name="Torben Flickinger" userId="7846d8088bcdeeb5" providerId="LiveId" clId="{3DE29276-61B2-493F-81B4-E97F51172E6B}" dt="2020-04-14T17:40:52.883" v="893" actId="26606"/>
+          <ac:spMkLst>
+            <pc:docMk/>
+            <pc:sldMk cId="2812569982" sldId="257"/>
+            <ac:spMk id="12" creationId="{081E4A58-353D-44AE-B2FC-2A74E2E400F7}"/>
+          </ac:spMkLst>
+        </pc:spChg>
       </pc:sldChg>
+      <pc:sldChg chg="addSp delSp modSp add mod setBg">
+        <pc:chgData name="Torben Flickinger" userId="7846d8088bcdeeb5" providerId="LiveId" clId="{3DE29276-61B2-493F-81B4-E97F51172E6B}" dt="2020-04-14T17:41:18.238" v="898" actId="14100"/>
+        <pc:sldMkLst>
+          <pc:docMk/>
+          <pc:sldMk cId="3623456234" sldId="258"/>
+        </pc:sldMkLst>
+        <pc:spChg chg="mod">
+          <ac:chgData name="Torben Flickinger" userId="7846d8088bcdeeb5" providerId="LiveId" clId="{3DE29276-61B2-493F-81B4-E97F51172E6B}" dt="2020-04-14T17:41:18.238" v="898" actId="14100"/>
+          <ac:spMkLst>
+            <pc:docMk/>
+            <pc:sldMk cId="3623456234" sldId="258"/>
+            <ac:spMk id="2" creationId="{ACCC8BC1-252C-4D7D-A653-EFDE6D11FDC7}"/>
+          </ac:spMkLst>
+        </pc:spChg>
+        <pc:spChg chg="mod">
+          <ac:chgData name="Torben Flickinger" userId="7846d8088bcdeeb5" providerId="LiveId" clId="{3DE29276-61B2-493F-81B4-E97F51172E6B}" dt="2020-04-14T17:41:03.279" v="896" actId="26606"/>
+          <ac:spMkLst>
+            <pc:docMk/>
+            <pc:sldMk cId="3623456234" sldId="258"/>
+            <ac:spMk id="3" creationId="{9B01B357-79C4-429E-8F5A-AE5AAD152CD9}"/>
+          </ac:spMkLst>
+        </pc:spChg>
+        <pc:spChg chg="add del">
+          <ac:chgData name="Torben Flickinger" userId="7846d8088bcdeeb5" providerId="LiveId" clId="{3DE29276-61B2-493F-81B4-E97F51172E6B}" dt="2020-04-14T17:41:03.264" v="895" actId="26606"/>
+          <ac:spMkLst>
+            <pc:docMk/>
+            <pc:sldMk cId="3623456234" sldId="258"/>
+            <ac:spMk id="8" creationId="{389575E1-3389-451A-A5F7-27854C25C599}"/>
+          </ac:spMkLst>
+        </pc:spChg>
+        <pc:spChg chg="add del">
+          <ac:chgData name="Torben Flickinger" userId="7846d8088bcdeeb5" providerId="LiveId" clId="{3DE29276-61B2-493F-81B4-E97F51172E6B}" dt="2020-04-14T17:41:03.264" v="895" actId="26606"/>
+          <ac:spMkLst>
+            <pc:docMk/>
+            <pc:sldMk cId="3623456234" sldId="258"/>
+            <ac:spMk id="10" creationId="{A53CCC5C-D88E-40FB-B30B-23DCDBD01D37}"/>
+          </ac:spMkLst>
+        </pc:spChg>
+        <pc:spChg chg="add del">
+          <ac:chgData name="Torben Flickinger" userId="7846d8088bcdeeb5" providerId="LiveId" clId="{3DE29276-61B2-493F-81B4-E97F51172E6B}" dt="2020-04-14T17:41:03.264" v="895" actId="26606"/>
+          <ac:spMkLst>
+            <pc:docMk/>
+            <pc:sldMk cId="3623456234" sldId="258"/>
+            <ac:spMk id="12" creationId="{081E4A58-353D-44AE-B2FC-2A74E2E400F7}"/>
+          </ac:spMkLst>
+        </pc:spChg>
+        <pc:spChg chg="add">
+          <ac:chgData name="Torben Flickinger" userId="7846d8088bcdeeb5" providerId="LiveId" clId="{3DE29276-61B2-493F-81B4-E97F51172E6B}" dt="2020-04-14T17:41:03.279" v="896" actId="26606"/>
+          <ac:spMkLst>
+            <pc:docMk/>
+            <pc:sldMk cId="3623456234" sldId="258"/>
+            <ac:spMk id="14" creationId="{907EF6B7-1338-4443-8C46-6A318D952DFD}"/>
+          </ac:spMkLst>
+        </pc:spChg>
+        <pc:spChg chg="add">
+          <ac:chgData name="Torben Flickinger" userId="7846d8088bcdeeb5" providerId="LiveId" clId="{3DE29276-61B2-493F-81B4-E97F51172E6B}" dt="2020-04-14T17:41:03.279" v="896" actId="26606"/>
+          <ac:spMkLst>
+            <pc:docMk/>
+            <pc:sldMk cId="3623456234" sldId="258"/>
+            <ac:spMk id="15" creationId="{DAAE4CDD-124C-4DCF-9584-B6033B545DD5}"/>
+          </ac:spMkLst>
+        </pc:spChg>
+        <pc:spChg chg="add">
+          <ac:chgData name="Torben Flickinger" userId="7846d8088bcdeeb5" providerId="LiveId" clId="{3DE29276-61B2-493F-81B4-E97F51172E6B}" dt="2020-04-14T17:41:03.279" v="896" actId="26606"/>
+          <ac:spMkLst>
+            <pc:docMk/>
+            <pc:sldMk cId="3623456234" sldId="258"/>
+            <ac:spMk id="16" creationId="{081E4A58-353D-44AE-B2FC-2A74E2E400F7}"/>
+          </ac:spMkLst>
+        </pc:spChg>
+      </pc:sldChg>
+      <pc:sldChg chg="addSp modSp add mod setBg">
+        <pc:chgData name="Torben Flickinger" userId="7846d8088bcdeeb5" providerId="LiveId" clId="{3DE29276-61B2-493F-81B4-E97F51172E6B}" dt="2020-04-14T17:40:04.740" v="890" actId="113"/>
+        <pc:sldMkLst>
+          <pc:docMk/>
+          <pc:sldMk cId="3703093626" sldId="259"/>
+        </pc:sldMkLst>
+        <pc:spChg chg="mod">
+          <ac:chgData name="Torben Flickinger" userId="7846d8088bcdeeb5" providerId="LiveId" clId="{3DE29276-61B2-493F-81B4-E97F51172E6B}" dt="2020-04-14T17:39:23.167" v="812" actId="26606"/>
+          <ac:spMkLst>
+            <pc:docMk/>
+            <pc:sldMk cId="3703093626" sldId="259"/>
+            <ac:spMk id="2" creationId="{ACCC8BC1-252C-4D7D-A653-EFDE6D11FDC7}"/>
+          </ac:spMkLst>
+        </pc:spChg>
+        <pc:spChg chg="mod">
+          <ac:chgData name="Torben Flickinger" userId="7846d8088bcdeeb5" providerId="LiveId" clId="{3DE29276-61B2-493F-81B4-E97F51172E6B}" dt="2020-04-14T17:40:04.740" v="890" actId="113"/>
+          <ac:spMkLst>
+            <pc:docMk/>
+            <pc:sldMk cId="3703093626" sldId="259"/>
+            <ac:spMk id="3" creationId="{9B01B357-79C4-429E-8F5A-AE5AAD152CD9}"/>
+          </ac:spMkLst>
+        </pc:spChg>
+        <pc:spChg chg="add">
+          <ac:chgData name="Torben Flickinger" userId="7846d8088bcdeeb5" providerId="LiveId" clId="{3DE29276-61B2-493F-81B4-E97F51172E6B}" dt="2020-04-14T17:39:23.167" v="812" actId="26606"/>
+          <ac:spMkLst>
+            <pc:docMk/>
+            <pc:sldMk cId="3703093626" sldId="259"/>
+            <ac:spMk id="10" creationId="{D3E17859-C5F0-476F-A082-A4CB8841DB24}"/>
+          </ac:spMkLst>
+        </pc:spChg>
+        <pc:spChg chg="add">
+          <ac:chgData name="Torben Flickinger" userId="7846d8088bcdeeb5" providerId="LiveId" clId="{3DE29276-61B2-493F-81B4-E97F51172E6B}" dt="2020-04-14T17:39:23.167" v="812" actId="26606"/>
+          <ac:spMkLst>
+            <pc:docMk/>
+            <pc:sldMk cId="3703093626" sldId="259"/>
+            <ac:spMk id="12" creationId="{70BEB1E7-2F88-40BC-B73D-42E5B6F80BFC}"/>
+          </ac:spMkLst>
+        </pc:spChg>
+        <pc:spChg chg="add">
+          <ac:chgData name="Torben Flickinger" userId="7846d8088bcdeeb5" providerId="LiveId" clId="{3DE29276-61B2-493F-81B4-E97F51172E6B}" dt="2020-04-14T17:39:23.167" v="812" actId="26606"/>
+          <ac:spMkLst>
+            <pc:docMk/>
+            <pc:sldMk cId="3703093626" sldId="259"/>
+            <ac:spMk id="14" creationId="{A7B99495-F43F-4D80-A44F-2CB4764EB90B}"/>
+          </ac:spMkLst>
+        </pc:spChg>
+        <pc:picChg chg="add mod">
+          <ac:chgData name="Torben Flickinger" userId="7846d8088bcdeeb5" providerId="LiveId" clId="{3DE29276-61B2-493F-81B4-E97F51172E6B}" dt="2020-04-14T17:39:23.167" v="812" actId="26606"/>
+          <ac:picMkLst>
+            <pc:docMk/>
+            <pc:sldMk cId="3703093626" sldId="259"/>
+            <ac:picMk id="5" creationId="{16FDA8D2-9B37-45B2-B8C4-BA6D0673724B}"/>
+          </ac:picMkLst>
+        </pc:picChg>
+      </pc:sldChg>
+      <pc:sldChg chg="addSp delSp modSp add mod ord">
+        <pc:chgData name="Torben Flickinger" userId="7846d8088bcdeeb5" providerId="LiveId" clId="{3DE29276-61B2-493F-81B4-E97F51172E6B}" dt="2020-04-14T17:46:57.772" v="1092" actId="1076"/>
+        <pc:sldMkLst>
+          <pc:docMk/>
+          <pc:sldMk cId="444628565" sldId="260"/>
+        </pc:sldMkLst>
+        <pc:spChg chg="mod">
+          <ac:chgData name="Torben Flickinger" userId="7846d8088bcdeeb5" providerId="LiveId" clId="{3DE29276-61B2-493F-81B4-E97F51172E6B}" dt="2020-04-14T17:44:44.539" v="932" actId="20577"/>
+          <ac:spMkLst>
+            <pc:docMk/>
+            <pc:sldMk cId="444628565" sldId="260"/>
+            <ac:spMk id="2" creationId="{ACCC8BC1-252C-4D7D-A653-EFDE6D11FDC7}"/>
+          </ac:spMkLst>
+        </pc:spChg>
+        <pc:spChg chg="mod">
+          <ac:chgData name="Torben Flickinger" userId="7846d8088bcdeeb5" providerId="LiveId" clId="{3DE29276-61B2-493F-81B4-E97F51172E6B}" dt="2020-04-14T17:46:53.537" v="1091" actId="20577"/>
+          <ac:spMkLst>
+            <pc:docMk/>
+            <pc:sldMk cId="444628565" sldId="260"/>
+            <ac:spMk id="3" creationId="{9B01B357-79C4-429E-8F5A-AE5AAD152CD9}"/>
+          </ac:spMkLst>
+        </pc:spChg>
+        <pc:picChg chg="add del mod">
+          <ac:chgData name="Torben Flickinger" userId="7846d8088bcdeeb5" providerId="LiveId" clId="{3DE29276-61B2-493F-81B4-E97F51172E6B}" dt="2020-04-14T17:45:44.873" v="985" actId="478"/>
+          <ac:picMkLst>
+            <pc:docMk/>
+            <pc:sldMk cId="444628565" sldId="260"/>
+            <ac:picMk id="5" creationId="{08F0EA86-7687-4784-B710-1C2DABE5A105}"/>
+          </ac:picMkLst>
+        </pc:picChg>
+        <pc:picChg chg="add mod">
+          <ac:chgData name="Torben Flickinger" userId="7846d8088bcdeeb5" providerId="LiveId" clId="{3DE29276-61B2-493F-81B4-E97F51172E6B}" dt="2020-04-14T17:46:57.772" v="1092" actId="1076"/>
+          <ac:picMkLst>
+            <pc:docMk/>
+            <pc:sldMk cId="444628565" sldId="260"/>
+            <ac:picMk id="7" creationId="{DAF71E63-A43E-4D8B-8543-9F72DA68FBBD}"/>
+          </ac:picMkLst>
+        </pc:picChg>
+      </pc:sldChg>
+      <pc:sldChg chg="delSp modSp add mod">
+        <pc:chgData name="Torben Flickinger" userId="7846d8088bcdeeb5" providerId="LiveId" clId="{3DE29276-61B2-493F-81B4-E97F51172E6B}" dt="2020-04-14T17:48:36.712" v="1134" actId="478"/>
+        <pc:sldMkLst>
+          <pc:docMk/>
+          <pc:sldMk cId="3161112583" sldId="261"/>
+        </pc:sldMkLst>
+        <pc:spChg chg="mod">
+          <ac:chgData name="Torben Flickinger" userId="7846d8088bcdeeb5" providerId="LiveId" clId="{3DE29276-61B2-493F-81B4-E97F51172E6B}" dt="2020-04-14T17:47:28.402" v="1126" actId="20577"/>
+          <ac:spMkLst>
+            <pc:docMk/>
+            <pc:sldMk cId="3161112583" sldId="261"/>
+            <ac:spMk id="2" creationId="{ACCC8BC1-252C-4D7D-A653-EFDE6D11FDC7}"/>
+          </ac:spMkLst>
+        </pc:spChg>
+        <pc:spChg chg="del mod">
+          <ac:chgData name="Torben Flickinger" userId="7846d8088bcdeeb5" providerId="LiveId" clId="{3DE29276-61B2-493F-81B4-E97F51172E6B}" dt="2020-04-14T17:48:36.712" v="1134" actId="478"/>
+          <ac:spMkLst>
+            <pc:docMk/>
+            <pc:sldMk cId="3161112583" sldId="261"/>
+            <ac:spMk id="3" creationId="{9B01B357-79C4-429E-8F5A-AE5AAD152CD9}"/>
+          </ac:spMkLst>
+        </pc:spChg>
+        <pc:picChg chg="mod">
+          <ac:chgData name="Torben Flickinger" userId="7846d8088bcdeeb5" providerId="LiveId" clId="{3DE29276-61B2-493F-81B4-E97F51172E6B}" dt="2020-04-14T17:48:25.826" v="1132" actId="1076"/>
+          <ac:picMkLst>
+            <pc:docMk/>
+            <pc:sldMk cId="3161112583" sldId="261"/>
+            <ac:picMk id="5" creationId="{08F0EA86-7687-4784-B710-1C2DABE5A105}"/>
+          </ac:picMkLst>
+        </pc:picChg>
+      </pc:sldChg>
+      <pc:sldChg chg="addSp delSp modSp add mod">
+        <pc:chgData name="Torben Flickinger" userId="7846d8088bcdeeb5" providerId="LiveId" clId="{3DE29276-61B2-493F-81B4-E97F51172E6B}" dt="2020-04-14T17:51:33.261" v="1209" actId="1076"/>
+        <pc:sldMkLst>
+          <pc:docMk/>
+          <pc:sldMk cId="3124653004" sldId="262"/>
+        </pc:sldMkLst>
+        <pc:spChg chg="add mod">
+          <ac:chgData name="Torben Flickinger" userId="7846d8088bcdeeb5" providerId="LiveId" clId="{3DE29276-61B2-493F-81B4-E97F51172E6B}" dt="2020-04-14T17:51:33.261" v="1209" actId="1076"/>
+          <ac:spMkLst>
+            <pc:docMk/>
+            <pc:sldMk cId="3124653004" sldId="262"/>
+            <ac:spMk id="3" creationId="{70C54025-D0D6-45B2-8E20-31ACD47C2CF9}"/>
+          </ac:spMkLst>
+        </pc:spChg>
+        <pc:picChg chg="del">
+          <ac:chgData name="Torben Flickinger" userId="7846d8088bcdeeb5" providerId="LiveId" clId="{3DE29276-61B2-493F-81B4-E97F51172E6B}" dt="2020-04-14T17:48:47.641" v="1136" actId="478"/>
+          <ac:picMkLst>
+            <pc:docMk/>
+            <pc:sldMk cId="3124653004" sldId="262"/>
+            <ac:picMk id="5" creationId="{08F0EA86-7687-4784-B710-1C2DABE5A105}"/>
+          </ac:picMkLst>
+        </pc:picChg>
+      </pc:sldChg>
+      <pc:sldMasterChg chg="modSldLayout">
+        <pc:chgData name="Torben Flickinger" userId="7846d8088bcdeeb5" providerId="LiveId" clId="{3DE29276-61B2-493F-81B4-E97F51172E6B}" dt="2020-04-14T17:21:47.367" v="278" actId="2711"/>
+        <pc:sldMasterMkLst>
+          <pc:docMk/>
+          <pc:sldMasterMk cId="395080114" sldId="2147483648"/>
+        </pc:sldMasterMkLst>
+        <pc:sldLayoutChg chg="modSp mod">
+          <pc:chgData name="Torben Flickinger" userId="7846d8088bcdeeb5" providerId="LiveId" clId="{3DE29276-61B2-493F-81B4-E97F51172E6B}" dt="2020-04-14T17:21:04.357" v="273" actId="207"/>
+          <pc:sldLayoutMkLst>
+            <pc:docMk/>
+            <pc:sldMasterMk cId="395080114" sldId="2147483648"/>
+            <pc:sldLayoutMk cId="721182137" sldId="2147483649"/>
+          </pc:sldLayoutMkLst>
+          <pc:spChg chg="mod">
+            <ac:chgData name="Torben Flickinger" userId="7846d8088bcdeeb5" providerId="LiveId" clId="{3DE29276-61B2-493F-81B4-E97F51172E6B}" dt="2020-04-14T17:21:04.357" v="273" actId="207"/>
+            <ac:spMkLst>
+              <pc:docMk/>
+              <pc:sldMasterMk cId="395080114" sldId="2147483648"/>
+              <pc:sldLayoutMk cId="721182137" sldId="2147483649"/>
+              <ac:spMk id="2" creationId="{E9B59DF0-1F29-4182-B6B7-E0AF4FF632B2}"/>
+            </ac:spMkLst>
+          </pc:spChg>
+        </pc:sldLayoutChg>
+        <pc:sldLayoutChg chg="modSp mod">
+          <pc:chgData name="Torben Flickinger" userId="7846d8088bcdeeb5" providerId="LiveId" clId="{3DE29276-61B2-493F-81B4-E97F51172E6B}" dt="2020-04-14T17:21:47.367" v="278" actId="2711"/>
+          <pc:sldLayoutMkLst>
+            <pc:docMk/>
+            <pc:sldMasterMk cId="395080114" sldId="2147483648"/>
+            <pc:sldLayoutMk cId="372476026" sldId="2147483650"/>
+          </pc:sldLayoutMkLst>
+          <pc:spChg chg="mod">
+            <ac:chgData name="Torben Flickinger" userId="7846d8088bcdeeb5" providerId="LiveId" clId="{3DE29276-61B2-493F-81B4-E97F51172E6B}" dt="2020-04-14T17:21:37.135" v="277" actId="2711"/>
+            <ac:spMkLst>
+              <pc:docMk/>
+              <pc:sldMasterMk cId="395080114" sldId="2147483648"/>
+              <pc:sldLayoutMk cId="372476026" sldId="2147483650"/>
+              <ac:spMk id="2" creationId="{CA364665-271E-4538-B842-AB5BCC93160B}"/>
+            </ac:spMkLst>
+          </pc:spChg>
+          <pc:spChg chg="mod">
+            <ac:chgData name="Torben Flickinger" userId="7846d8088bcdeeb5" providerId="LiveId" clId="{3DE29276-61B2-493F-81B4-E97F51172E6B}" dt="2020-04-14T17:21:47.367" v="278" actId="2711"/>
+            <ac:spMkLst>
+              <pc:docMk/>
+              <pc:sldMasterMk cId="395080114" sldId="2147483648"/>
+              <pc:sldLayoutMk cId="372476026" sldId="2147483650"/>
+              <ac:spMk id="3" creationId="{2F451453-A4B7-4D4B-8A80-937113208236}"/>
+            </ac:spMkLst>
+          </pc:spChg>
+        </pc:sldLayoutChg>
+      </pc:sldMasterChg>
     </pc:docChg>
   </pc:docChgLst>
 </pc:chgInfo>
@@ -219,20 +554,28 @@
         </p:nvSpPr>
         <p:spPr>
           <a:xfrm>
-            <a:off x="1524000" y="1122363"/>
-            <a:ext cx="9144000" cy="2387600"/>
+            <a:off x="1479665" y="1105593"/>
+            <a:ext cx="9188335" cy="2404370"/>
           </a:xfrm>
+          <a:solidFill>
+            <a:schemeClr val="tx1"/>
+          </a:solidFill>
         </p:spPr>
         <p:txBody>
           <a:bodyPr anchor="b"/>
           <a:lstStyle>
             <a:lvl1pPr algn="ctr">
-              <a:defRPr sz="6000"/>
+              <a:defRPr sz="6000">
+                <a:solidFill>
+                  <a:schemeClr val="bg1"/>
+                </a:solidFill>
+                <a:latin typeface="Arial Nova" panose="020B0504020202020204" pitchFamily="34" charset="0"/>
+              </a:defRPr>
             </a:lvl1pPr>
           </a:lstStyle>
           <a:p>
             <a:r>
-              <a:rPr lang="de-DE"/>
+              <a:rPr lang="de-DE" dirty="0"/>
               <a:t>Mastertitelformat bearbeiten</a:t>
             </a:r>
           </a:p>
@@ -302,7 +645,7 @@
           </a:lstStyle>
           <a:p>
             <a:r>
-              <a:rPr lang="de-DE"/>
+              <a:rPr lang="de-DE" dirty="0"/>
               <a:t>Master-Untertitelformat bearbeiten</a:t>
             </a:r>
           </a:p>
@@ -331,7 +674,7 @@
           <a:p>
             <a:fld id="{0F57A3FB-8899-4C79-B95A-A266DCF0A8C7}" type="datetimeFigureOut">
               <a:rPr lang="de-DE" smtClean="0"/>
-              <a:t>13.04.2020</a:t>
+              <a:t>14.04.2020</a:t>
             </a:fld>
             <a:endParaRPr lang="de-DE"/>
           </a:p>
@@ -529,7 +872,7 @@
           <a:p>
             <a:fld id="{0F57A3FB-8899-4C79-B95A-A266DCF0A8C7}" type="datetimeFigureOut">
               <a:rPr lang="de-DE" smtClean="0"/>
-              <a:t>13.04.2020</a:t>
+              <a:t>14.04.2020</a:t>
             </a:fld>
             <a:endParaRPr lang="de-DE"/>
           </a:p>
@@ -737,7 +1080,7 @@
           <a:p>
             <a:fld id="{0F57A3FB-8899-4C79-B95A-A266DCF0A8C7}" type="datetimeFigureOut">
               <a:rPr lang="de-DE" smtClean="0"/>
-              <a:t>13.04.2020</a:t>
+              <a:t>14.04.2020</a:t>
             </a:fld>
             <a:endParaRPr lang="de-DE"/>
           </a:p>
@@ -843,70 +1186,113 @@
             <p:ph type="title"/>
           </p:nvPr>
         </p:nvSpPr>
+        <p:spPr>
+          <a:xfrm>
+            <a:off x="831273" y="374073"/>
+            <a:ext cx="10522527" cy="1316615"/>
+          </a:xfrm>
+          <a:solidFill>
+            <a:schemeClr val="tx1"/>
+          </a:solidFill>
+        </p:spPr>
+        <p:txBody>
+          <a:bodyPr/>
+          <a:lstStyle>
+            <a:lvl1pPr>
+              <a:defRPr>
+                <a:solidFill>
+                  <a:schemeClr val="bg1"/>
+                </a:solidFill>
+                <a:latin typeface="Arial Nova" panose="020B0504020202020204" pitchFamily="34" charset="0"/>
+              </a:defRPr>
+            </a:lvl1pPr>
+          </a:lstStyle>
+          <a:p>
+            <a:r>
+              <a:rPr lang="de-DE" dirty="0"/>
+              <a:t>Mastertitelformat bearbeiten</a:t>
+            </a:r>
+          </a:p>
+        </p:txBody>
+      </p:sp>
+      <p:sp>
+        <p:nvSpPr>
+          <p:cNvPr id="3" name="Inhaltsplatzhalter 2">
+            <a:extLst>
+              <a:ext uri="{FF2B5EF4-FFF2-40B4-BE49-F238E27FC236}">
+                <a16:creationId xmlns:a16="http://schemas.microsoft.com/office/drawing/2014/main" id="{2F451453-A4B7-4D4B-8A80-937113208236}"/>
+              </a:ext>
+            </a:extLst>
+          </p:cNvPr>
+          <p:cNvSpPr>
+            <a:spLocks noGrp="1"/>
+          </p:cNvSpPr>
+          <p:nvPr>
+            <p:ph idx="1"/>
+          </p:nvPr>
+        </p:nvSpPr>
         <p:spPr/>
         <p:txBody>
           <a:bodyPr/>
-          <a:lstStyle/>
-          <a:p>
-            <a:r>
-              <a:rPr lang="de-DE"/>
-              <a:t>Mastertitelformat bearbeiten</a:t>
-            </a:r>
-          </a:p>
-        </p:txBody>
-      </p:sp>
-      <p:sp>
-        <p:nvSpPr>
-          <p:cNvPr id="3" name="Inhaltsplatzhalter 2">
-            <a:extLst>
-              <a:ext uri="{FF2B5EF4-FFF2-40B4-BE49-F238E27FC236}">
-                <a16:creationId xmlns:a16="http://schemas.microsoft.com/office/drawing/2014/main" id="{2F451453-A4B7-4D4B-8A80-937113208236}"/>
-              </a:ext>
-            </a:extLst>
-          </p:cNvPr>
-          <p:cNvSpPr>
-            <a:spLocks noGrp="1"/>
-          </p:cNvSpPr>
-          <p:nvPr>
-            <p:ph idx="1"/>
-          </p:nvPr>
-        </p:nvSpPr>
-        <p:spPr/>
-        <p:txBody>
-          <a:bodyPr/>
-          <a:lstStyle/>
+          <a:lstStyle>
+            <a:lvl1pPr>
+              <a:defRPr>
+                <a:latin typeface="Arial Nova" panose="020B0504020202020204" pitchFamily="34" charset="0"/>
+              </a:defRPr>
+            </a:lvl1pPr>
+            <a:lvl2pPr>
+              <a:defRPr>
+                <a:latin typeface="Arial Nova" panose="020B0504020202020204" pitchFamily="34" charset="0"/>
+              </a:defRPr>
+            </a:lvl2pPr>
+            <a:lvl3pPr>
+              <a:defRPr>
+                <a:latin typeface="Arial Nova" panose="020B0504020202020204" pitchFamily="34" charset="0"/>
+              </a:defRPr>
+            </a:lvl3pPr>
+            <a:lvl4pPr>
+              <a:defRPr>
+                <a:latin typeface="Arial Nova" panose="020B0504020202020204" pitchFamily="34" charset="0"/>
+              </a:defRPr>
+            </a:lvl4pPr>
+            <a:lvl5pPr>
+              <a:defRPr>
+                <a:latin typeface="Arial Nova" panose="020B0504020202020204" pitchFamily="34" charset="0"/>
+              </a:defRPr>
+            </a:lvl5pPr>
+          </a:lstStyle>
           <a:p>
             <a:pPr lvl="0"/>
             <a:r>
-              <a:rPr lang="de-DE"/>
+              <a:rPr lang="de-DE" dirty="0"/>
               <a:t>Mastertextformat bearbeiten</a:t>
             </a:r>
           </a:p>
           <a:p>
             <a:pPr lvl="1"/>
             <a:r>
-              <a:rPr lang="de-DE"/>
+              <a:rPr lang="de-DE" dirty="0"/>
               <a:t>Zweite Ebene</a:t>
             </a:r>
           </a:p>
           <a:p>
             <a:pPr lvl="2"/>
             <a:r>
-              <a:rPr lang="de-DE"/>
+              <a:rPr lang="de-DE" dirty="0"/>
               <a:t>Dritte Ebene</a:t>
             </a:r>
           </a:p>
           <a:p>
             <a:pPr lvl="3"/>
             <a:r>
-              <a:rPr lang="de-DE"/>
+              <a:rPr lang="de-DE" dirty="0"/>
               <a:t>Vierte Ebene</a:t>
             </a:r>
           </a:p>
           <a:p>
             <a:pPr lvl="4"/>
             <a:r>
-              <a:rPr lang="de-DE"/>
+              <a:rPr lang="de-DE" dirty="0"/>
               <a:t>Fünfte Ebene</a:t>
             </a:r>
           </a:p>
@@ -935,7 +1321,7 @@
           <a:p>
             <a:fld id="{0F57A3FB-8899-4C79-B95A-A266DCF0A8C7}" type="datetimeFigureOut">
               <a:rPr lang="de-DE" smtClean="0"/>
-              <a:t>13.04.2020</a:t>
+              <a:t>14.04.2020</a:t>
             </a:fld>
             <a:endParaRPr lang="de-DE"/>
           </a:p>
@@ -1210,7 +1596,7 @@
           <a:p>
             <a:fld id="{0F57A3FB-8899-4C79-B95A-A266DCF0A8C7}" type="datetimeFigureOut">
               <a:rPr lang="de-DE" smtClean="0"/>
-              <a:t>13.04.2020</a:t>
+              <a:t>14.04.2020</a:t>
             </a:fld>
             <a:endParaRPr lang="de-DE"/>
           </a:p>
@@ -1475,7 +1861,7 @@
           <a:p>
             <a:fld id="{0F57A3FB-8899-4C79-B95A-A266DCF0A8C7}" type="datetimeFigureOut">
               <a:rPr lang="de-DE" smtClean="0"/>
-              <a:t>13.04.2020</a:t>
+              <a:t>14.04.2020</a:t>
             </a:fld>
             <a:endParaRPr lang="de-DE"/>
           </a:p>
@@ -1887,7 +2273,7 @@
           <a:p>
             <a:fld id="{0F57A3FB-8899-4C79-B95A-A266DCF0A8C7}" type="datetimeFigureOut">
               <a:rPr lang="de-DE" smtClean="0"/>
-              <a:t>13.04.2020</a:t>
+              <a:t>14.04.2020</a:t>
             </a:fld>
             <a:endParaRPr lang="de-DE"/>
           </a:p>
@@ -2028,7 +2414,7 @@
           <a:p>
             <a:fld id="{0F57A3FB-8899-4C79-B95A-A266DCF0A8C7}" type="datetimeFigureOut">
               <a:rPr lang="de-DE" smtClean="0"/>
-              <a:t>13.04.2020</a:t>
+              <a:t>14.04.2020</a:t>
             </a:fld>
             <a:endParaRPr lang="de-DE"/>
           </a:p>
@@ -2141,7 +2527,7 @@
           <a:p>
             <a:fld id="{0F57A3FB-8899-4C79-B95A-A266DCF0A8C7}" type="datetimeFigureOut">
               <a:rPr lang="de-DE" smtClean="0"/>
-              <a:t>13.04.2020</a:t>
+              <a:t>14.04.2020</a:t>
             </a:fld>
             <a:endParaRPr lang="de-DE"/>
           </a:p>
@@ -2452,7 +2838,7 @@
           <a:p>
             <a:fld id="{0F57A3FB-8899-4C79-B95A-A266DCF0A8C7}" type="datetimeFigureOut">
               <a:rPr lang="de-DE" smtClean="0"/>
-              <a:t>13.04.2020</a:t>
+              <a:t>14.04.2020</a:t>
             </a:fld>
             <a:endParaRPr lang="de-DE"/>
           </a:p>
@@ -2740,7 +3126,7 @@
           <a:p>
             <a:fld id="{0F57A3FB-8899-4C79-B95A-A266DCF0A8C7}" type="datetimeFigureOut">
               <a:rPr lang="de-DE" smtClean="0"/>
-              <a:t>13.04.2020</a:t>
+              <a:t>14.04.2020</a:t>
             </a:fld>
             <a:endParaRPr lang="de-DE"/>
           </a:p>
@@ -2981,7 +3367,7 @@
           <a:p>
             <a:fld id="{0F57A3FB-8899-4C79-B95A-A266DCF0A8C7}" type="datetimeFigureOut">
               <a:rPr lang="de-DE" smtClean="0"/>
-              <a:t>13.04.2020</a:t>
+              <a:t>14.04.2020</a:t>
             </a:fld>
             <a:endParaRPr lang="de-DE"/>
           </a:p>
@@ -3384,6 +3770,14 @@
 <file path=ppt/slides/slide1.xml><?xml version="1.0" encoding="utf-8"?>
 <p:sld xmlns:a="http://schemas.openxmlformats.org/drawingml/2006/main" xmlns:r="http://schemas.openxmlformats.org/officeDocument/2006/relationships" xmlns:p="http://schemas.openxmlformats.org/presentationml/2006/main">
   <p:cSld>
+    <p:bg>
+      <p:bgPr>
+        <a:solidFill>
+          <a:schemeClr val="bg1"/>
+        </a:solidFill>
+        <a:effectLst/>
+      </p:bgPr>
+    </p:bg>
     <p:spTree>
       <p:nvGrpSpPr>
         <p:cNvPr id="1" name=""/>
@@ -3398,84 +3792,63 @@
           <a:chExt cx="0" cy="0"/>
         </a:xfrm>
       </p:grpSpPr>
-      <p:sp>
-        <p:nvSpPr>
-          <p:cNvPr id="2" name="Titel 1">
-            <a:extLst>
-              <a:ext uri="{FF2B5EF4-FFF2-40B4-BE49-F238E27FC236}">
-                <a16:creationId xmlns:a16="http://schemas.microsoft.com/office/drawing/2014/main" id="{9EB6F2F5-6D86-4C1E-B1F9-BFEA5EE8C3E2}"/>
-              </a:ext>
-            </a:extLst>
-          </p:cNvPr>
-          <p:cNvSpPr>
-            <a:spLocks noGrp="1"/>
-          </p:cNvSpPr>
-          <p:nvPr>
-            <p:ph type="ctrTitle"/>
+      <p:sp useBgFill="1">
+        <p:nvSpPr>
+          <p:cNvPr id="10" name="Rectangle 9">
+            <a:extLst>
+              <a:ext uri="{FF2B5EF4-FFF2-40B4-BE49-F238E27FC236}">
+                <a16:creationId xmlns:a16="http://schemas.microsoft.com/office/drawing/2014/main" id="{0671A8AE-40A1-4631-A6B8-581AFF065482}"/>
+              </a:ext>
+              <a:ext uri="{C183D7F6-B498-43B3-948B-1728B52AA6E4}">
+                <adec:decorative xmlns:adec="http://schemas.microsoft.com/office/drawing/2017/decorative" val="1"/>
+              </a:ext>
+            </a:extLst>
+          </p:cNvPr>
+          <p:cNvSpPr>
+            <a:spLocks noGrp="1" noRot="1" noChangeAspect="1" noMove="1" noResize="1" noEditPoints="1" noAdjustHandles="1" noChangeArrowheads="1" noChangeShapeType="1" noTextEdit="1"/>
+          </p:cNvSpPr>
+          <p:nvPr>
+            <p:extLst>
+              <p:ext uri="{386F3935-93C4-4BCD-93E2-E3B085C9AB24}">
+                <p16:designElem xmlns:p16="http://schemas.microsoft.com/office/powerpoint/2015/main" val="1"/>
+              </p:ext>
+            </p:extLst>
           </p:nvPr>
         </p:nvSpPr>
         <p:spPr>
           <a:xfrm>
-            <a:off x="1524000" y="1122363"/>
-            <a:ext cx="9144000" cy="837066"/>
+            <a:off x="0" y="0"/>
+            <a:ext cx="12192000" cy="6858000"/>
           </a:xfrm>
+          <a:prstGeom prst="rect">
+            <a:avLst/>
+          </a:prstGeom>
+          <a:ln>
+            <a:noFill/>
+          </a:ln>
         </p:spPr>
-        <p:txBody>
-          <a:bodyPr>
-            <a:normAutofit/>
-          </a:bodyPr>
-          <a:lstStyle/>
-          <a:p>
-            <a:r>
-              <a:rPr lang="de-DE" sz="4400" dirty="0"/>
-              <a:t>IBM Coursera </a:t>
-            </a:r>
-            <a:r>
-              <a:rPr lang="de-DE" sz="4400" dirty="0" err="1"/>
-              <a:t>Capstone</a:t>
-            </a:r>
-            <a:r>
-              <a:rPr lang="de-DE" sz="4400" dirty="0"/>
-              <a:t> Project</a:t>
-            </a:r>
-          </a:p>
-        </p:txBody>
-      </p:sp>
-      <p:sp>
-        <p:nvSpPr>
-          <p:cNvPr id="3" name="Untertitel 2">
-            <a:extLst>
-              <a:ext uri="{FF2B5EF4-FFF2-40B4-BE49-F238E27FC236}">
-                <a16:creationId xmlns:a16="http://schemas.microsoft.com/office/drawing/2014/main" id="{EEDB3F30-98A3-46D8-9E9F-920F48579780}"/>
-              </a:ext>
-            </a:extLst>
-          </p:cNvPr>
-          <p:cNvSpPr>
-            <a:spLocks noGrp="1"/>
-          </p:cNvSpPr>
-          <p:nvPr>
-            <p:ph type="subTitle" idx="1"/>
-          </p:nvPr>
-        </p:nvSpPr>
-        <p:spPr>
-          <a:xfrm>
-            <a:off x="1391126" y="2073606"/>
-            <a:ext cx="9144000" cy="538965"/>
-          </a:xfrm>
-        </p:spPr>
-        <p:txBody>
-          <a:bodyPr/>
-          <a:lstStyle/>
-          <a:p>
-            <a:r>
-              <a:rPr lang="de-DE" dirty="0"/>
-              <a:t>Clustering </a:t>
-            </a:r>
-            <a:r>
-              <a:rPr lang="de-DE" dirty="0" err="1"/>
-              <a:t>Neighbourhoods</a:t>
-            </a:r>
-            <a:endParaRPr lang="de-DE" dirty="0"/>
+        <p:style>
+          <a:lnRef idx="2">
+            <a:schemeClr val="accent1">
+              <a:shade val="50000"/>
+            </a:schemeClr>
+          </a:lnRef>
+          <a:fillRef idx="1">
+            <a:schemeClr val="accent1"/>
+          </a:fillRef>
+          <a:effectRef idx="0">
+            <a:schemeClr val="accent1"/>
+          </a:effectRef>
+          <a:fontRef idx="minor">
+            <a:schemeClr val="lt1"/>
+          </a:fontRef>
+        </p:style>
+        <p:txBody>
+          <a:bodyPr rtlCol="0" anchor="ctr"/>
+          <a:lstStyle/>
+          <a:p>
+            <a:pPr algn="ctr"/>
+            <a:endParaRPr lang="en-US"/>
           </a:p>
         </p:txBody>
       </p:sp>
@@ -3493,7 +3866,7 @@
           </p:cNvPicPr>
           <p:nvPr/>
         </p:nvPicPr>
-        <p:blipFill>
+        <p:blipFill rotWithShape="1">
           <a:blip r:embed="rId2">
             <a:extLst>
               <a:ext uri="{28A0092B-C50C-407E-A947-70E740481C1C}">
@@ -3501,20 +3874,341 @@
               </a:ext>
             </a:extLst>
           </a:blip>
-          <a:stretch>
-            <a:fillRect/>
-          </a:stretch>
+          <a:srcRect t="6918" r="14394" b="2174"/>
+          <a:stretch/>
         </p:blipFill>
         <p:spPr>
           <a:xfrm>
-            <a:off x="4179977" y="2726748"/>
-            <a:ext cx="3566297" cy="2658512"/>
+            <a:off x="3523488" y="10"/>
+            <a:ext cx="8668512" cy="6857990"/>
           </a:xfrm>
           <a:prstGeom prst="rect">
             <a:avLst/>
           </a:prstGeom>
         </p:spPr>
       </p:pic>
+      <p:sp>
+        <p:nvSpPr>
+          <p:cNvPr id="12" name="Rectangle 11">
+            <a:extLst>
+              <a:ext uri="{FF2B5EF4-FFF2-40B4-BE49-F238E27FC236}">
+                <a16:creationId xmlns:a16="http://schemas.microsoft.com/office/drawing/2014/main" id="{AB58EF07-17C2-48CF-ABB0-EEF1F17CB8F0}"/>
+              </a:ext>
+              <a:ext uri="{C183D7F6-B498-43B3-948B-1728B52AA6E4}">
+                <adec:decorative xmlns:adec="http://schemas.microsoft.com/office/drawing/2017/decorative" val="1"/>
+              </a:ext>
+            </a:extLst>
+          </p:cNvPr>
+          <p:cNvSpPr>
+            <a:spLocks noGrp="1" noRot="1" noChangeAspect="1" noMove="1" noResize="1" noEditPoints="1" noAdjustHandles="1" noChangeArrowheads="1" noChangeShapeType="1" noTextEdit="1"/>
+          </p:cNvSpPr>
+          <p:nvPr>
+            <p:extLst>
+              <p:ext uri="{386F3935-93C4-4BCD-93E2-E3B085C9AB24}">
+                <p16:designElem xmlns:p16="http://schemas.microsoft.com/office/powerpoint/2015/main" val="1"/>
+              </p:ext>
+            </p:extLst>
+          </p:nvPr>
+        </p:nvSpPr>
+        <p:spPr>
+          <a:xfrm>
+            <a:off x="3" y="0"/>
+            <a:ext cx="9339206" cy="6858000"/>
+          </a:xfrm>
+          <a:prstGeom prst="rect">
+            <a:avLst/>
+          </a:prstGeom>
+          <a:gradFill>
+            <a:gsLst>
+              <a:gs pos="58000">
+                <a:schemeClr val="bg1"/>
+              </a:gs>
+              <a:gs pos="33000">
+                <a:schemeClr val="bg1">
+                  <a:alpha val="64000"/>
+                </a:schemeClr>
+              </a:gs>
+              <a:gs pos="0">
+                <a:schemeClr val="bg1">
+                  <a:alpha val="0"/>
+                </a:schemeClr>
+              </a:gs>
+              <a:gs pos="100000">
+                <a:schemeClr val="bg1"/>
+              </a:gs>
+            </a:gsLst>
+            <a:lin ang="10800000" scaled="0"/>
+          </a:gradFill>
+          <a:ln>
+            <a:noFill/>
+          </a:ln>
+        </p:spPr>
+        <p:style>
+          <a:lnRef idx="2">
+            <a:schemeClr val="accent1">
+              <a:shade val="50000"/>
+            </a:schemeClr>
+          </a:lnRef>
+          <a:fillRef idx="1">
+            <a:schemeClr val="accent1"/>
+          </a:fillRef>
+          <a:effectRef idx="0">
+            <a:schemeClr val="accent1"/>
+          </a:effectRef>
+          <a:fontRef idx="minor">
+            <a:schemeClr val="lt1"/>
+          </a:fontRef>
+        </p:style>
+        <p:txBody>
+          <a:bodyPr rtlCol="0" anchor="ctr"/>
+          <a:lstStyle/>
+          <a:p>
+            <a:pPr algn="ctr"/>
+            <a:endParaRPr lang="en-US" dirty="0"/>
+          </a:p>
+        </p:txBody>
+      </p:sp>
+      <p:sp>
+        <p:nvSpPr>
+          <p:cNvPr id="2" name="Titel 1">
+            <a:extLst>
+              <a:ext uri="{FF2B5EF4-FFF2-40B4-BE49-F238E27FC236}">
+                <a16:creationId xmlns:a16="http://schemas.microsoft.com/office/drawing/2014/main" id="{9EB6F2F5-6D86-4C1E-B1F9-BFEA5EE8C3E2}"/>
+              </a:ext>
+            </a:extLst>
+          </p:cNvPr>
+          <p:cNvSpPr>
+            <a:spLocks noGrp="1"/>
+          </p:cNvSpPr>
+          <p:nvPr>
+            <p:ph type="ctrTitle"/>
+          </p:nvPr>
+        </p:nvSpPr>
+        <p:spPr>
+          <a:xfrm>
+            <a:off x="477981" y="2151149"/>
+            <a:ext cx="4023360" cy="2175348"/>
+          </a:xfrm>
+        </p:spPr>
+        <p:txBody>
+          <a:bodyPr anchor="b">
+            <a:normAutofit/>
+          </a:bodyPr>
+          <a:lstStyle/>
+          <a:p>
+            <a:pPr algn="l"/>
+            <a:r>
+              <a:rPr lang="de-DE" sz="4800" dirty="0"/>
+              <a:t>IBM Coursera </a:t>
+            </a:r>
+            <a:r>
+              <a:rPr lang="de-DE" sz="4800" dirty="0" err="1"/>
+              <a:t>Capstone</a:t>
+            </a:r>
+            <a:r>
+              <a:rPr lang="de-DE" sz="4800" dirty="0"/>
+              <a:t> Project</a:t>
+            </a:r>
+          </a:p>
+        </p:txBody>
+      </p:sp>
+      <p:sp>
+        <p:nvSpPr>
+          <p:cNvPr id="3" name="Untertitel 2">
+            <a:extLst>
+              <a:ext uri="{FF2B5EF4-FFF2-40B4-BE49-F238E27FC236}">
+                <a16:creationId xmlns:a16="http://schemas.microsoft.com/office/drawing/2014/main" id="{EEDB3F30-98A3-46D8-9E9F-920F48579780}"/>
+              </a:ext>
+            </a:extLst>
+          </p:cNvPr>
+          <p:cNvSpPr>
+            <a:spLocks noGrp="1"/>
+          </p:cNvSpPr>
+          <p:nvPr>
+            <p:ph type="subTitle" idx="1"/>
+          </p:nvPr>
+        </p:nvSpPr>
+        <p:spPr>
+          <a:xfrm>
+            <a:off x="477980" y="4872922"/>
+            <a:ext cx="4023359" cy="1208141"/>
+          </a:xfrm>
+        </p:spPr>
+        <p:txBody>
+          <a:bodyPr>
+            <a:normAutofit/>
+          </a:bodyPr>
+          <a:lstStyle/>
+          <a:p>
+            <a:pPr algn="l"/>
+            <a:r>
+              <a:rPr lang="de-DE" sz="2000"/>
+              <a:t>Clustering Neighbourhoods</a:t>
+            </a:r>
+          </a:p>
+        </p:txBody>
+      </p:sp>
+      <p:sp>
+        <p:nvSpPr>
+          <p:cNvPr id="14" name="Rectangle 13">
+            <a:extLst>
+              <a:ext uri="{FF2B5EF4-FFF2-40B4-BE49-F238E27FC236}">
+                <a16:creationId xmlns:a16="http://schemas.microsoft.com/office/drawing/2014/main" id="{AF2F604E-43BE-4DC3-B983-E071523364F8}"/>
+              </a:ext>
+              <a:ext uri="{C183D7F6-B498-43B3-948B-1728B52AA6E4}">
+                <adec:decorative xmlns:adec="http://schemas.microsoft.com/office/drawing/2017/decorative" val="1"/>
+              </a:ext>
+            </a:extLst>
+          </p:cNvPr>
+          <p:cNvSpPr>
+            <a:spLocks noGrp="1" noRot="1" noChangeAspect="1" noMove="1" noResize="1" noEditPoints="1" noAdjustHandles="1" noChangeArrowheads="1" noChangeShapeType="1" noTextEdit="1"/>
+          </p:cNvSpPr>
+          <p:nvPr>
+            <p:extLst>
+              <p:ext uri="{386F3935-93C4-4BCD-93E2-E3B085C9AB24}">
+                <p16:designElem xmlns:p16="http://schemas.microsoft.com/office/powerpoint/2015/main" val="1"/>
+              </p:ext>
+            </p:extLst>
+          </p:nvPr>
+        </p:nvSpPr>
+        <p:spPr>
+          <a:xfrm rot="5400000">
+            <a:off x="759921" y="346791"/>
+            <a:ext cx="146304" cy="704088"/>
+          </a:xfrm>
+          <a:prstGeom prst="rect">
+            <a:avLst/>
+          </a:prstGeom>
+          <a:solidFill>
+            <a:schemeClr val="accent2"/>
+          </a:solidFill>
+          <a:ln>
+            <a:noFill/>
+          </a:ln>
+        </p:spPr>
+        <p:style>
+          <a:lnRef idx="2">
+            <a:schemeClr val="accent1">
+              <a:shade val="50000"/>
+            </a:schemeClr>
+          </a:lnRef>
+          <a:fillRef idx="1">
+            <a:schemeClr val="accent1"/>
+          </a:fillRef>
+          <a:effectRef idx="0">
+            <a:schemeClr val="accent1"/>
+          </a:effectRef>
+          <a:fontRef idx="minor">
+            <a:schemeClr val="lt1"/>
+          </a:fontRef>
+        </p:style>
+        <p:txBody>
+          <a:bodyPr rtlCol="0" anchor="ctr"/>
+          <a:lstStyle/>
+          <a:p>
+            <a:pPr algn="ctr"/>
+            <a:endParaRPr lang="en-US">
+              <a:solidFill>
+                <a:prstClr val="white"/>
+              </a:solidFill>
+              <a:latin typeface="Calibri" panose="020F0502020204030204"/>
+            </a:endParaRPr>
+          </a:p>
+        </p:txBody>
+      </p:sp>
+      <p:sp>
+        <p:nvSpPr>
+          <p:cNvPr id="16" name="Rectangle 15">
+            <a:extLst>
+              <a:ext uri="{FF2B5EF4-FFF2-40B4-BE49-F238E27FC236}">
+                <a16:creationId xmlns:a16="http://schemas.microsoft.com/office/drawing/2014/main" id="{08C9B587-E65E-4B52-B37C-ABEBB6E87928}"/>
+              </a:ext>
+              <a:ext uri="{C183D7F6-B498-43B3-948B-1728B52AA6E4}">
+                <adec:decorative xmlns:adec="http://schemas.microsoft.com/office/drawing/2017/decorative" val="1"/>
+              </a:ext>
+            </a:extLst>
+          </p:cNvPr>
+          <p:cNvSpPr>
+            <a:spLocks noGrp="1" noRot="1" noChangeAspect="1" noMove="1" noResize="1" noEditPoints="1" noAdjustHandles="1" noChangeArrowheads="1" noChangeShapeType="1" noTextEdit="1"/>
+          </p:cNvSpPr>
+          <p:nvPr>
+            <p:extLst>
+              <p:ext uri="{386F3935-93C4-4BCD-93E2-E3B085C9AB24}">
+                <p16:designElem xmlns:p16="http://schemas.microsoft.com/office/powerpoint/2015/main" val="1"/>
+              </p:ext>
+            </p:extLst>
+          </p:nvPr>
+        </p:nvSpPr>
+        <p:spPr>
+          <a:xfrm>
+            <a:off x="481029" y="4546920"/>
+            <a:ext cx="3977640" cy="18288"/>
+          </a:xfrm>
+          <a:prstGeom prst="rect">
+            <a:avLst/>
+          </a:prstGeom>
+          <a:solidFill>
+            <a:schemeClr val="tx1"/>
+          </a:solidFill>
+          <a:ln w="3175">
+            <a:noFill/>
+          </a:ln>
+          <a:effectLst/>
+        </p:spPr>
+        <p:style>
+          <a:lnRef idx="2">
+            <a:schemeClr val="accent1">
+              <a:shade val="50000"/>
+            </a:schemeClr>
+          </a:lnRef>
+          <a:fillRef idx="1">
+            <a:schemeClr val="accent1"/>
+          </a:fillRef>
+          <a:effectRef idx="0">
+            <a:schemeClr val="accent1"/>
+          </a:effectRef>
+          <a:fontRef idx="minor">
+            <a:schemeClr val="lt1"/>
+          </a:fontRef>
+        </p:style>
+        <p:txBody>
+          <a:bodyPr rtlCol="0" anchor="ctr"/>
+          <a:lstStyle/>
+          <a:p>
+            <a:pPr marL="0" marR="0" lvl="0" indent="0" algn="ctr" defTabSz="914400" rtl="0" eaLnBrk="1" fontAlgn="auto" latinLnBrk="0" hangingPunct="1">
+              <a:lnSpc>
+                <a:spcPct val="100000"/>
+              </a:lnSpc>
+              <a:spcBef>
+                <a:spcPts val="0"/>
+              </a:spcBef>
+              <a:spcAft>
+                <a:spcPts val="0"/>
+              </a:spcAft>
+              <a:buClrTx/>
+              <a:buSzTx/>
+              <a:buFontTx/>
+              <a:buNone/>
+              <a:tabLst/>
+              <a:defRPr/>
+            </a:pPr>
+            <a:endParaRPr kumimoji="0" lang="en-US" sz="1800" b="0" i="0" u="none" strike="noStrike" kern="1200" cap="none" spc="0" normalizeH="0" baseline="0" noProof="0">
+              <a:ln>
+                <a:noFill/>
+              </a:ln>
+              <a:solidFill>
+                <a:prstClr val="white"/>
+              </a:solidFill>
+              <a:effectLst/>
+              <a:uLnTx/>
+              <a:uFillTx/>
+              <a:latin typeface="Calibri" panose="020F0502020204030204"/>
+              <a:ea typeface="+mn-ea"/>
+              <a:cs typeface="+mn-cs"/>
+            </a:endParaRPr>
+          </a:p>
+        </p:txBody>
+      </p:sp>
     </p:spTree>
     <p:extLst>
       <p:ext uri="{BB962C8B-B14F-4D97-AF65-F5344CB8AC3E}">
@@ -3523,7 +4217,7 @@
     </p:extLst>
   </p:cSld>
   <p:clrMapOvr>
-    <a:masterClrMapping/>
+    <a:overrideClrMapping bg1="dk1" tx1="lt1" bg2="dk2" tx2="lt2" accent1="accent1" accent2="accent2" accent3="accent3" accent4="accent4" accent5="accent5" accent6="accent6" hlink="hlink" folHlink="folHlink"/>
   </p:clrMapOvr>
 </p:sld>
 </file>
@@ -3531,6 +4225,14 @@
 <file path=ppt/slides/slide2.xml><?xml version="1.0" encoding="utf-8"?>
 <p:sld xmlns:a="http://schemas.openxmlformats.org/drawingml/2006/main" xmlns:r="http://schemas.openxmlformats.org/officeDocument/2006/relationships" xmlns:p="http://schemas.openxmlformats.org/presentationml/2006/main">
   <p:cSld>
+    <p:bg>
+      <p:bgPr>
+        <a:solidFill>
+          <a:schemeClr val="bg1"/>
+        </a:solidFill>
+        <a:effectLst/>
+      </p:bgPr>
+    </p:bg>
     <p:spTree>
       <p:nvGrpSpPr>
         <p:cNvPr id="1" name=""/>
@@ -3545,6 +4247,200 @@
           <a:chExt cx="0" cy="0"/>
         </a:xfrm>
       </p:grpSpPr>
+      <p:sp useBgFill="1">
+        <p:nvSpPr>
+          <p:cNvPr id="8" name="Rectangle 7">
+            <a:extLst>
+              <a:ext uri="{FF2B5EF4-FFF2-40B4-BE49-F238E27FC236}">
+                <a16:creationId xmlns:a16="http://schemas.microsoft.com/office/drawing/2014/main" id="{907EF6B7-1338-4443-8C46-6A318D952DFD}"/>
+              </a:ext>
+              <a:ext uri="{C183D7F6-B498-43B3-948B-1728B52AA6E4}">
+                <adec:decorative xmlns:adec="http://schemas.microsoft.com/office/drawing/2017/decorative" val="1"/>
+              </a:ext>
+            </a:extLst>
+          </p:cNvPr>
+          <p:cNvSpPr>
+            <a:spLocks noGrp="1" noRot="1" noChangeAspect="1" noMove="1" noResize="1" noEditPoints="1" noAdjustHandles="1" noChangeArrowheads="1" noChangeShapeType="1" noTextEdit="1"/>
+          </p:cNvSpPr>
+          <p:nvPr>
+            <p:extLst>
+              <p:ext uri="{386F3935-93C4-4BCD-93E2-E3B085C9AB24}">
+                <p16:designElem xmlns:p16="http://schemas.microsoft.com/office/powerpoint/2015/main" val="1"/>
+              </p:ext>
+            </p:extLst>
+          </p:nvPr>
+        </p:nvSpPr>
+        <p:spPr>
+          <a:xfrm>
+            <a:off x="3048" y="0"/>
+            <a:ext cx="12188952" cy="6858000"/>
+          </a:xfrm>
+          <a:prstGeom prst="rect">
+            <a:avLst/>
+          </a:prstGeom>
+          <a:ln>
+            <a:noFill/>
+          </a:ln>
+        </p:spPr>
+        <p:style>
+          <a:lnRef idx="2">
+            <a:schemeClr val="accent1">
+              <a:shade val="50000"/>
+            </a:schemeClr>
+          </a:lnRef>
+          <a:fillRef idx="1">
+            <a:schemeClr val="accent1"/>
+          </a:fillRef>
+          <a:effectRef idx="0">
+            <a:schemeClr val="accent1"/>
+          </a:effectRef>
+          <a:fontRef idx="minor">
+            <a:schemeClr val="lt1"/>
+          </a:fontRef>
+        </p:style>
+        <p:txBody>
+          <a:bodyPr rtlCol="0" anchor="ctr"/>
+          <a:lstStyle/>
+          <a:p>
+            <a:pPr algn="ctr"/>
+            <a:endParaRPr lang="en-US"/>
+          </a:p>
+        </p:txBody>
+      </p:sp>
+      <p:sp>
+        <p:nvSpPr>
+          <p:cNvPr id="10" name="Freeform: Shape 9">
+            <a:extLst>
+              <a:ext uri="{FF2B5EF4-FFF2-40B4-BE49-F238E27FC236}">
+                <a16:creationId xmlns:a16="http://schemas.microsoft.com/office/drawing/2014/main" id="{DAAE4CDD-124C-4DCF-9584-B6033B545DD5}"/>
+              </a:ext>
+              <a:ext uri="{C183D7F6-B498-43B3-948B-1728B52AA6E4}">
+                <adec:decorative xmlns:adec="http://schemas.microsoft.com/office/drawing/2017/decorative" val="1"/>
+              </a:ext>
+            </a:extLst>
+          </p:cNvPr>
+          <p:cNvSpPr>
+            <a:spLocks noGrp="1" noRot="1" noChangeAspect="1" noMove="1" noResize="1" noEditPoints="1" noAdjustHandles="1" noChangeArrowheads="1" noChangeShapeType="1" noTextEdit="1"/>
+          </p:cNvSpPr>
+          <p:nvPr>
+            <p:extLst>
+              <p:ext uri="{386F3935-93C4-4BCD-93E2-E3B085C9AB24}">
+                <p16:designElem xmlns:p16="http://schemas.microsoft.com/office/powerpoint/2015/main" val="1"/>
+              </p:ext>
+            </p:extLst>
+          </p:nvPr>
+        </p:nvSpPr>
+        <p:spPr>
+          <a:xfrm>
+            <a:off x="1" y="0"/>
+            <a:ext cx="4167271" cy="6858000"/>
+          </a:xfrm>
+          <a:custGeom>
+            <a:avLst/>
+            <a:gdLst>
+              <a:gd name="connsiteX0" fmla="*/ 0 w 4167271"/>
+              <a:gd name="connsiteY0" fmla="*/ 0 h 6858000"/>
+              <a:gd name="connsiteX1" fmla="*/ 2259550 w 4167271"/>
+              <a:gd name="connsiteY1" fmla="*/ 0 h 6858000"/>
+              <a:gd name="connsiteX2" fmla="*/ 2387803 w 4167271"/>
+              <a:gd name="connsiteY2" fmla="*/ 82222 h 6858000"/>
+              <a:gd name="connsiteX3" fmla="*/ 4167271 w 4167271"/>
+              <a:gd name="connsiteY3" fmla="*/ 3429000 h 6858000"/>
+              <a:gd name="connsiteX4" fmla="*/ 2387803 w 4167271"/>
+              <a:gd name="connsiteY4" fmla="*/ 6775779 h 6858000"/>
+              <a:gd name="connsiteX5" fmla="*/ 2259550 w 4167271"/>
+              <a:gd name="connsiteY5" fmla="*/ 6858000 h 6858000"/>
+              <a:gd name="connsiteX6" fmla="*/ 0 w 4167271"/>
+              <a:gd name="connsiteY6" fmla="*/ 6858000 h 6858000"/>
+            </a:gdLst>
+            <a:ahLst/>
+            <a:cxnLst>
+              <a:cxn ang="0">
+                <a:pos x="connsiteX0" y="connsiteY0"/>
+              </a:cxn>
+              <a:cxn ang="0">
+                <a:pos x="connsiteX1" y="connsiteY1"/>
+              </a:cxn>
+              <a:cxn ang="0">
+                <a:pos x="connsiteX2" y="connsiteY2"/>
+              </a:cxn>
+              <a:cxn ang="0">
+                <a:pos x="connsiteX3" y="connsiteY3"/>
+              </a:cxn>
+              <a:cxn ang="0">
+                <a:pos x="connsiteX4" y="connsiteY4"/>
+              </a:cxn>
+              <a:cxn ang="0">
+                <a:pos x="connsiteX5" y="connsiteY5"/>
+              </a:cxn>
+              <a:cxn ang="0">
+                <a:pos x="connsiteX6" y="connsiteY6"/>
+              </a:cxn>
+            </a:cxnLst>
+            <a:rect l="l" t="t" r="r" b="b"/>
+            <a:pathLst>
+              <a:path w="4167271" h="6858000">
+                <a:moveTo>
+                  <a:pt x="0" y="0"/>
+                </a:moveTo>
+                <a:lnTo>
+                  <a:pt x="2259550" y="0"/>
+                </a:lnTo>
+                <a:lnTo>
+                  <a:pt x="2387803" y="82222"/>
+                </a:lnTo>
+                <a:cubicBezTo>
+                  <a:pt x="3461407" y="807534"/>
+                  <a:pt x="4167271" y="2035835"/>
+                  <a:pt x="4167271" y="3429000"/>
+                </a:cubicBezTo>
+                <a:cubicBezTo>
+                  <a:pt x="4167271" y="4822165"/>
+                  <a:pt x="3461407" y="6050467"/>
+                  <a:pt x="2387803" y="6775779"/>
+                </a:cubicBezTo>
+                <a:lnTo>
+                  <a:pt x="2259550" y="6858000"/>
+                </a:lnTo>
+                <a:lnTo>
+                  <a:pt x="0" y="6858000"/>
+                </a:lnTo>
+                <a:close/>
+              </a:path>
+            </a:pathLst>
+          </a:custGeom>
+          <a:solidFill>
+            <a:schemeClr val="accent2"/>
+          </a:solidFill>
+          <a:ln>
+            <a:noFill/>
+          </a:ln>
+        </p:spPr>
+        <p:style>
+          <a:lnRef idx="2">
+            <a:schemeClr val="accent1">
+              <a:shade val="50000"/>
+            </a:schemeClr>
+          </a:lnRef>
+          <a:fillRef idx="1">
+            <a:schemeClr val="accent1"/>
+          </a:fillRef>
+          <a:effectRef idx="0">
+            <a:schemeClr val="accent1"/>
+          </a:effectRef>
+          <a:fontRef idx="minor">
+            <a:schemeClr val="lt1"/>
+          </a:fontRef>
+        </p:style>
+        <p:txBody>
+          <a:bodyPr rtlCol="0" anchor="ctr"/>
+          <a:lstStyle/>
+          <a:p>
+            <a:pPr algn="ctr"/>
+            <a:endParaRPr lang="en-US"/>
+          </a:p>
+        </p:txBody>
+      </p:sp>
       <p:sp>
         <p:nvSpPr>
           <p:cNvPr id="2" name="Titel 1">
@@ -3561,36 +4457,12 @@
             <p:ph type="title"/>
           </p:nvPr>
         </p:nvSpPr>
-        <p:spPr/>
-        <p:txBody>
-          <a:bodyPr/>
-          <a:lstStyle/>
-          <a:p>
-            <a:r>
-              <a:rPr lang="de-DE" dirty="0" err="1"/>
-              <a:t>Introduction</a:t>
-            </a:r>
-            <a:endParaRPr lang="de-DE" dirty="0"/>
-          </a:p>
-        </p:txBody>
-      </p:sp>
-      <p:sp>
-        <p:nvSpPr>
-          <p:cNvPr id="3" name="Inhaltsplatzhalter 2">
-            <a:extLst>
-              <a:ext uri="{FF2B5EF4-FFF2-40B4-BE49-F238E27FC236}">
-                <a16:creationId xmlns:a16="http://schemas.microsoft.com/office/drawing/2014/main" id="{9B01B357-79C4-429E-8F5A-AE5AAD152CD9}"/>
-              </a:ext>
-            </a:extLst>
-          </p:cNvPr>
-          <p:cNvSpPr>
-            <a:spLocks noGrp="1"/>
-          </p:cNvSpPr>
-          <p:nvPr>
-            <p:ph idx="1"/>
-          </p:nvPr>
-        </p:nvSpPr>
-        <p:spPr/>
+        <p:spPr>
+          <a:xfrm>
+            <a:off x="686834" y="1153572"/>
+            <a:ext cx="3200400" cy="4461163"/>
+          </a:xfrm>
+        </p:spPr>
         <p:txBody>
           <a:bodyPr>
             <a:normAutofit/>
@@ -3598,74 +4470,156 @@
           <a:lstStyle/>
           <a:p>
             <a:r>
-              <a:rPr lang="de-DE" dirty="0"/>
-              <a:t>City </a:t>
-            </a:r>
-            <a:r>
-              <a:rPr lang="de-DE" dirty="0" err="1"/>
-              <a:t>trips</a:t>
-            </a:r>
-            <a:r>
-              <a:rPr lang="de-DE" dirty="0"/>
-              <a:t> </a:t>
-            </a:r>
-            <a:r>
-              <a:rPr lang="de-DE" dirty="0" err="1"/>
-              <a:t>growing</a:t>
-            </a:r>
-            <a:r>
-              <a:rPr lang="de-DE" dirty="0"/>
-              <a:t> </a:t>
-            </a:r>
-            <a:r>
-              <a:rPr lang="de-DE" dirty="0" err="1"/>
-              <a:t>trend</a:t>
-            </a:r>
-            <a:r>
-              <a:rPr lang="de-DE" dirty="0"/>
-              <a:t> </a:t>
-            </a:r>
-          </a:p>
-          <a:p>
-            <a:r>
-              <a:rPr lang="de-DE" dirty="0" err="1"/>
+              <a:rPr lang="de-DE">
+                <a:solidFill>
+                  <a:srgbClr val="FFFFFF"/>
+                </a:solidFill>
+              </a:rPr>
+              <a:t>Introduction</a:t>
+            </a:r>
+          </a:p>
+        </p:txBody>
+      </p:sp>
+      <p:sp>
+        <p:nvSpPr>
+          <p:cNvPr id="12" name="Arc 11">
+            <a:extLst>
+              <a:ext uri="{FF2B5EF4-FFF2-40B4-BE49-F238E27FC236}">
+                <a16:creationId xmlns:a16="http://schemas.microsoft.com/office/drawing/2014/main" id="{081E4A58-353D-44AE-B2FC-2A74E2E400F7}"/>
+              </a:ext>
+              <a:ext uri="{C183D7F6-B498-43B3-948B-1728B52AA6E4}">
+                <adec:decorative xmlns:adec="http://schemas.microsoft.com/office/drawing/2017/decorative" val="1"/>
+              </a:ext>
+            </a:extLst>
+          </p:cNvPr>
+          <p:cNvSpPr>
+            <a:spLocks noGrp="1" noRot="1" noChangeAspect="1" noMove="1" noResize="1" noEditPoints="1" noAdjustHandles="1" noChangeArrowheads="1" noChangeShapeType="1" noTextEdit="1"/>
+          </p:cNvSpPr>
+          <p:nvPr>
+            <p:extLst>
+              <p:ext uri="{386F3935-93C4-4BCD-93E2-E3B085C9AB24}">
+                <p16:designElem xmlns:p16="http://schemas.microsoft.com/office/powerpoint/2015/main" val="1"/>
+              </p:ext>
+            </p:extLst>
+          </p:nvPr>
+        </p:nvSpPr>
+        <p:spPr>
+          <a:xfrm flipV="1">
+            <a:off x="7550402" y="2455479"/>
+            <a:ext cx="4083433" cy="4083433"/>
+          </a:xfrm>
+          <a:prstGeom prst="arc">
+            <a:avLst/>
+          </a:prstGeom>
+          <a:ln w="127000" cap="rnd">
+            <a:solidFill>
+              <a:schemeClr val="accent4"/>
+            </a:solidFill>
+            <a:prstDash val="dash"/>
+          </a:ln>
+        </p:spPr>
+        <p:style>
+          <a:lnRef idx="1">
+            <a:schemeClr val="accent1"/>
+          </a:lnRef>
+          <a:fillRef idx="0">
+            <a:schemeClr val="accent1"/>
+          </a:fillRef>
+          <a:effectRef idx="0">
+            <a:schemeClr val="accent1"/>
+          </a:effectRef>
+          <a:fontRef idx="minor">
+            <a:schemeClr val="tx1"/>
+          </a:fontRef>
+        </p:style>
+        <p:txBody>
+          <a:bodyPr rtlCol="0" anchor="ctr"/>
+          <a:lstStyle/>
+          <a:p>
+            <a:pPr algn="ctr"/>
+            <a:endParaRPr lang="en-US" dirty="0"/>
+          </a:p>
+        </p:txBody>
+      </p:sp>
+      <p:sp>
+        <p:nvSpPr>
+          <p:cNvPr id="3" name="Inhaltsplatzhalter 2">
+            <a:extLst>
+              <a:ext uri="{FF2B5EF4-FFF2-40B4-BE49-F238E27FC236}">
+                <a16:creationId xmlns:a16="http://schemas.microsoft.com/office/drawing/2014/main" id="{9B01B357-79C4-429E-8F5A-AE5AAD152CD9}"/>
+              </a:ext>
+            </a:extLst>
+          </p:cNvPr>
+          <p:cNvSpPr>
+            <a:spLocks noGrp="1"/>
+          </p:cNvSpPr>
+          <p:nvPr>
+            <p:ph idx="1"/>
+          </p:nvPr>
+        </p:nvSpPr>
+        <p:spPr>
+          <a:xfrm>
+            <a:off x="4447308" y="591344"/>
+            <a:ext cx="6906491" cy="5585619"/>
+          </a:xfrm>
+        </p:spPr>
+        <p:txBody>
+          <a:bodyPr anchor="ctr">
+            <a:normAutofit/>
+          </a:bodyPr>
+          <a:lstStyle/>
+          <a:p>
+            <a:r>
+              <a:rPr lang="en-US" dirty="0"/>
+              <a:t>One of the most common type of traveling is a business or non-business </a:t>
+            </a:r>
+            <a:r>
+              <a:rPr lang="en-US" b="1" dirty="0"/>
+              <a:t>city trip</a:t>
+            </a:r>
+            <a:r>
+              <a:rPr lang="en-US" dirty="0"/>
+              <a:t>, </a:t>
+            </a:r>
+          </a:p>
+          <a:p>
+            <a:r>
+              <a:rPr lang="en-US" dirty="0" err="1"/>
               <a:t>Travellers</a:t>
             </a:r>
             <a:r>
-              <a:rPr lang="de-DE" dirty="0"/>
-              <a:t> in </a:t>
-            </a:r>
-            <a:r>
-              <a:rPr lang="de-DE" dirty="0" err="1"/>
-              <a:t>need</a:t>
-            </a:r>
-            <a:r>
-              <a:rPr lang="de-DE" dirty="0"/>
-              <a:t> </a:t>
-            </a:r>
-            <a:r>
-              <a:rPr lang="de-DE" dirty="0" err="1"/>
-              <a:t>of</a:t>
-            </a:r>
-            <a:r>
-              <a:rPr lang="de-DE" dirty="0"/>
-              <a:t> quick </a:t>
-            </a:r>
-            <a:r>
-              <a:rPr lang="de-DE" dirty="0" err="1"/>
-              <a:t>orientation</a:t>
-            </a:r>
-            <a:r>
-              <a:rPr lang="de-DE" dirty="0"/>
-              <a:t> </a:t>
-            </a:r>
-            <a:r>
-              <a:rPr lang="de-DE" dirty="0" err="1"/>
-              <a:t>to</a:t>
-            </a:r>
-            <a:r>
-              <a:rPr lang="de-DE"/>
-              <a:t> </a:t>
+              <a:rPr lang="en-US" dirty="0"/>
+              <a:t> are in need of </a:t>
+            </a:r>
+            <a:r>
+              <a:rPr lang="en-US" b="1" dirty="0"/>
+              <a:t>quick orientation</a:t>
+            </a:r>
+            <a:r>
+              <a:rPr lang="en-US" dirty="0"/>
+              <a:t> in an unknown metropolis with its overwhelming impressions, opportunities, venues and wide variety of unique districts with their individual characters. </a:t>
+            </a:r>
+          </a:p>
+          <a:p>
+            <a:r>
+              <a:rPr lang="en-US" dirty="0"/>
+              <a:t>Solution: a </a:t>
+            </a:r>
+            <a:r>
+              <a:rPr lang="en-US" b="1" dirty="0"/>
+              <a:t>clustering system</a:t>
+            </a:r>
+            <a:r>
+              <a:rPr lang="en-US" dirty="0"/>
+              <a:t> for </a:t>
+            </a:r>
+            <a:r>
+              <a:rPr lang="en-US" dirty="0" err="1"/>
+              <a:t>neighbourhoods</a:t>
+            </a:r>
+            <a:r>
+              <a:rPr lang="en-US" dirty="0"/>
+              <a:t> of each individual city based on several dimensions of up-to-date information</a:t>
             </a:r>
             <a:endParaRPr lang="de-DE" dirty="0"/>
           </a:p>
@@ -3675,6 +4629,2257 @@
     <p:extLst>
       <p:ext uri="{BB962C8B-B14F-4D97-AF65-F5344CB8AC3E}">
         <p14:creationId xmlns:p14="http://schemas.microsoft.com/office/powerpoint/2010/main" val="2812569982"/>
+      </p:ext>
+    </p:extLst>
+  </p:cSld>
+  <p:clrMapOvr>
+    <a:masterClrMapping/>
+  </p:clrMapOvr>
+</p:sld>
+</file>
+
+<file path=ppt/slides/slide3.xml><?xml version="1.0" encoding="utf-8"?>
+<p:sld xmlns:a="http://schemas.openxmlformats.org/drawingml/2006/main" xmlns:r="http://schemas.openxmlformats.org/officeDocument/2006/relationships" xmlns:p="http://schemas.openxmlformats.org/presentationml/2006/main">
+  <p:cSld>
+    <p:bg>
+      <p:bgPr>
+        <a:solidFill>
+          <a:schemeClr val="bg1"/>
+        </a:solidFill>
+        <a:effectLst/>
+      </p:bgPr>
+    </p:bg>
+    <p:spTree>
+      <p:nvGrpSpPr>
+        <p:cNvPr id="1" name=""/>
+        <p:cNvGrpSpPr/>
+        <p:nvPr/>
+      </p:nvGrpSpPr>
+      <p:grpSpPr>
+        <a:xfrm>
+          <a:off x="0" y="0"/>
+          <a:ext cx="0" cy="0"/>
+          <a:chOff x="0" y="0"/>
+          <a:chExt cx="0" cy="0"/>
+        </a:xfrm>
+      </p:grpSpPr>
+      <p:sp useBgFill="1">
+        <p:nvSpPr>
+          <p:cNvPr id="14" name="Rectangle 7">
+            <a:extLst>
+              <a:ext uri="{FF2B5EF4-FFF2-40B4-BE49-F238E27FC236}">
+                <a16:creationId xmlns:a16="http://schemas.microsoft.com/office/drawing/2014/main" id="{907EF6B7-1338-4443-8C46-6A318D952DFD}"/>
+              </a:ext>
+              <a:ext uri="{C183D7F6-B498-43B3-948B-1728B52AA6E4}">
+                <adec:decorative xmlns:adec="http://schemas.microsoft.com/office/drawing/2017/decorative" val="1"/>
+              </a:ext>
+            </a:extLst>
+          </p:cNvPr>
+          <p:cNvSpPr>
+            <a:spLocks noGrp="1" noRot="1" noChangeAspect="1" noMove="1" noResize="1" noEditPoints="1" noAdjustHandles="1" noChangeArrowheads="1" noChangeShapeType="1" noTextEdit="1"/>
+          </p:cNvSpPr>
+          <p:nvPr>
+            <p:extLst>
+              <p:ext uri="{386F3935-93C4-4BCD-93E2-E3B085C9AB24}">
+                <p16:designElem xmlns:p16="http://schemas.microsoft.com/office/powerpoint/2015/main" val="1"/>
+              </p:ext>
+            </p:extLst>
+          </p:nvPr>
+        </p:nvSpPr>
+        <p:spPr>
+          <a:xfrm>
+            <a:off x="3048" y="0"/>
+            <a:ext cx="12188952" cy="6858000"/>
+          </a:xfrm>
+          <a:prstGeom prst="rect">
+            <a:avLst/>
+          </a:prstGeom>
+          <a:ln>
+            <a:noFill/>
+          </a:ln>
+        </p:spPr>
+        <p:style>
+          <a:lnRef idx="2">
+            <a:schemeClr val="accent1">
+              <a:shade val="50000"/>
+            </a:schemeClr>
+          </a:lnRef>
+          <a:fillRef idx="1">
+            <a:schemeClr val="accent1"/>
+          </a:fillRef>
+          <a:effectRef idx="0">
+            <a:schemeClr val="accent1"/>
+          </a:effectRef>
+          <a:fontRef idx="minor">
+            <a:schemeClr val="lt1"/>
+          </a:fontRef>
+        </p:style>
+        <p:txBody>
+          <a:bodyPr rtlCol="0" anchor="ctr"/>
+          <a:lstStyle/>
+          <a:p>
+            <a:pPr algn="ctr"/>
+            <a:endParaRPr lang="en-US"/>
+          </a:p>
+        </p:txBody>
+      </p:sp>
+      <p:sp>
+        <p:nvSpPr>
+          <p:cNvPr id="15" name="Freeform: Shape 9">
+            <a:extLst>
+              <a:ext uri="{FF2B5EF4-FFF2-40B4-BE49-F238E27FC236}">
+                <a16:creationId xmlns:a16="http://schemas.microsoft.com/office/drawing/2014/main" id="{DAAE4CDD-124C-4DCF-9584-B6033B545DD5}"/>
+              </a:ext>
+              <a:ext uri="{C183D7F6-B498-43B3-948B-1728B52AA6E4}">
+                <adec:decorative xmlns:adec="http://schemas.microsoft.com/office/drawing/2017/decorative" val="1"/>
+              </a:ext>
+            </a:extLst>
+          </p:cNvPr>
+          <p:cNvSpPr>
+            <a:spLocks noGrp="1" noRot="1" noChangeAspect="1" noMove="1" noResize="1" noEditPoints="1" noAdjustHandles="1" noChangeArrowheads="1" noChangeShapeType="1" noTextEdit="1"/>
+          </p:cNvSpPr>
+          <p:nvPr>
+            <p:extLst>
+              <p:ext uri="{386F3935-93C4-4BCD-93E2-E3B085C9AB24}">
+                <p16:designElem xmlns:p16="http://schemas.microsoft.com/office/powerpoint/2015/main" val="1"/>
+              </p:ext>
+            </p:extLst>
+          </p:nvPr>
+        </p:nvSpPr>
+        <p:spPr>
+          <a:xfrm>
+            <a:off x="1" y="0"/>
+            <a:ext cx="4167271" cy="6858000"/>
+          </a:xfrm>
+          <a:custGeom>
+            <a:avLst/>
+            <a:gdLst>
+              <a:gd name="connsiteX0" fmla="*/ 0 w 4167271"/>
+              <a:gd name="connsiteY0" fmla="*/ 0 h 6858000"/>
+              <a:gd name="connsiteX1" fmla="*/ 2259550 w 4167271"/>
+              <a:gd name="connsiteY1" fmla="*/ 0 h 6858000"/>
+              <a:gd name="connsiteX2" fmla="*/ 2387803 w 4167271"/>
+              <a:gd name="connsiteY2" fmla="*/ 82222 h 6858000"/>
+              <a:gd name="connsiteX3" fmla="*/ 4167271 w 4167271"/>
+              <a:gd name="connsiteY3" fmla="*/ 3429000 h 6858000"/>
+              <a:gd name="connsiteX4" fmla="*/ 2387803 w 4167271"/>
+              <a:gd name="connsiteY4" fmla="*/ 6775779 h 6858000"/>
+              <a:gd name="connsiteX5" fmla="*/ 2259550 w 4167271"/>
+              <a:gd name="connsiteY5" fmla="*/ 6858000 h 6858000"/>
+              <a:gd name="connsiteX6" fmla="*/ 0 w 4167271"/>
+              <a:gd name="connsiteY6" fmla="*/ 6858000 h 6858000"/>
+            </a:gdLst>
+            <a:ahLst/>
+            <a:cxnLst>
+              <a:cxn ang="0">
+                <a:pos x="connsiteX0" y="connsiteY0"/>
+              </a:cxn>
+              <a:cxn ang="0">
+                <a:pos x="connsiteX1" y="connsiteY1"/>
+              </a:cxn>
+              <a:cxn ang="0">
+                <a:pos x="connsiteX2" y="connsiteY2"/>
+              </a:cxn>
+              <a:cxn ang="0">
+                <a:pos x="connsiteX3" y="connsiteY3"/>
+              </a:cxn>
+              <a:cxn ang="0">
+                <a:pos x="connsiteX4" y="connsiteY4"/>
+              </a:cxn>
+              <a:cxn ang="0">
+                <a:pos x="connsiteX5" y="connsiteY5"/>
+              </a:cxn>
+              <a:cxn ang="0">
+                <a:pos x="connsiteX6" y="connsiteY6"/>
+              </a:cxn>
+            </a:cxnLst>
+            <a:rect l="l" t="t" r="r" b="b"/>
+            <a:pathLst>
+              <a:path w="4167271" h="6858000">
+                <a:moveTo>
+                  <a:pt x="0" y="0"/>
+                </a:moveTo>
+                <a:lnTo>
+                  <a:pt x="2259550" y="0"/>
+                </a:lnTo>
+                <a:lnTo>
+                  <a:pt x="2387803" y="82222"/>
+                </a:lnTo>
+                <a:cubicBezTo>
+                  <a:pt x="3461407" y="807534"/>
+                  <a:pt x="4167271" y="2035835"/>
+                  <a:pt x="4167271" y="3429000"/>
+                </a:cubicBezTo>
+                <a:cubicBezTo>
+                  <a:pt x="4167271" y="4822165"/>
+                  <a:pt x="3461407" y="6050467"/>
+                  <a:pt x="2387803" y="6775779"/>
+                </a:cubicBezTo>
+                <a:lnTo>
+                  <a:pt x="2259550" y="6858000"/>
+                </a:lnTo>
+                <a:lnTo>
+                  <a:pt x="0" y="6858000"/>
+                </a:lnTo>
+                <a:close/>
+              </a:path>
+            </a:pathLst>
+          </a:custGeom>
+          <a:solidFill>
+            <a:schemeClr val="accent2"/>
+          </a:solidFill>
+          <a:ln>
+            <a:noFill/>
+          </a:ln>
+        </p:spPr>
+        <p:style>
+          <a:lnRef idx="2">
+            <a:schemeClr val="accent1">
+              <a:shade val="50000"/>
+            </a:schemeClr>
+          </a:lnRef>
+          <a:fillRef idx="1">
+            <a:schemeClr val="accent1"/>
+          </a:fillRef>
+          <a:effectRef idx="0">
+            <a:schemeClr val="accent1"/>
+          </a:effectRef>
+          <a:fontRef idx="minor">
+            <a:schemeClr val="lt1"/>
+          </a:fontRef>
+        </p:style>
+        <p:txBody>
+          <a:bodyPr rtlCol="0" anchor="ctr"/>
+          <a:lstStyle/>
+          <a:p>
+            <a:pPr algn="ctr"/>
+            <a:endParaRPr lang="en-US"/>
+          </a:p>
+        </p:txBody>
+      </p:sp>
+      <p:sp>
+        <p:nvSpPr>
+          <p:cNvPr id="2" name="Titel 1">
+            <a:extLst>
+              <a:ext uri="{FF2B5EF4-FFF2-40B4-BE49-F238E27FC236}">
+                <a16:creationId xmlns:a16="http://schemas.microsoft.com/office/drawing/2014/main" id="{ACCC8BC1-252C-4D7D-A653-EFDE6D11FDC7}"/>
+              </a:ext>
+            </a:extLst>
+          </p:cNvPr>
+          <p:cNvSpPr>
+            <a:spLocks noGrp="1"/>
+          </p:cNvSpPr>
+          <p:nvPr>
+            <p:ph type="title"/>
+          </p:nvPr>
+        </p:nvSpPr>
+        <p:spPr>
+          <a:xfrm>
+            <a:off x="686834" y="1153572"/>
+            <a:ext cx="3200400" cy="4461163"/>
+          </a:xfrm>
+        </p:spPr>
+        <p:txBody>
+          <a:bodyPr>
+            <a:normAutofit/>
+          </a:bodyPr>
+          <a:lstStyle/>
+          <a:p>
+            <a:r>
+              <a:rPr lang="de-DE" dirty="0">
+                <a:solidFill>
+                  <a:srgbClr val="FFFFFF"/>
+                </a:solidFill>
+              </a:rPr>
+              <a:t>Data</a:t>
+            </a:r>
+          </a:p>
+        </p:txBody>
+      </p:sp>
+      <p:sp>
+        <p:nvSpPr>
+          <p:cNvPr id="16" name="Arc 11">
+            <a:extLst>
+              <a:ext uri="{FF2B5EF4-FFF2-40B4-BE49-F238E27FC236}">
+                <a16:creationId xmlns:a16="http://schemas.microsoft.com/office/drawing/2014/main" id="{081E4A58-353D-44AE-B2FC-2A74E2E400F7}"/>
+              </a:ext>
+              <a:ext uri="{C183D7F6-B498-43B3-948B-1728B52AA6E4}">
+                <adec:decorative xmlns:adec="http://schemas.microsoft.com/office/drawing/2017/decorative" val="1"/>
+              </a:ext>
+            </a:extLst>
+          </p:cNvPr>
+          <p:cNvSpPr>
+            <a:spLocks noGrp="1" noRot="1" noChangeAspect="1" noMove="1" noResize="1" noEditPoints="1" noAdjustHandles="1" noChangeArrowheads="1" noChangeShapeType="1" noTextEdit="1"/>
+          </p:cNvSpPr>
+          <p:nvPr>
+            <p:extLst>
+              <p:ext uri="{386F3935-93C4-4BCD-93E2-E3B085C9AB24}">
+                <p16:designElem xmlns:p16="http://schemas.microsoft.com/office/powerpoint/2015/main" val="1"/>
+              </p:ext>
+            </p:extLst>
+          </p:nvPr>
+        </p:nvSpPr>
+        <p:spPr>
+          <a:xfrm flipV="1">
+            <a:off x="7550402" y="2455479"/>
+            <a:ext cx="4083433" cy="4083433"/>
+          </a:xfrm>
+          <a:prstGeom prst="arc">
+            <a:avLst/>
+          </a:prstGeom>
+          <a:ln w="127000" cap="rnd">
+            <a:solidFill>
+              <a:schemeClr val="accent4"/>
+            </a:solidFill>
+            <a:prstDash val="dash"/>
+          </a:ln>
+        </p:spPr>
+        <p:style>
+          <a:lnRef idx="1">
+            <a:schemeClr val="accent1"/>
+          </a:lnRef>
+          <a:fillRef idx="0">
+            <a:schemeClr val="accent1"/>
+          </a:fillRef>
+          <a:effectRef idx="0">
+            <a:schemeClr val="accent1"/>
+          </a:effectRef>
+          <a:fontRef idx="minor">
+            <a:schemeClr val="tx1"/>
+          </a:fontRef>
+        </p:style>
+        <p:txBody>
+          <a:bodyPr rtlCol="0" anchor="ctr"/>
+          <a:lstStyle/>
+          <a:p>
+            <a:pPr algn="ctr"/>
+            <a:endParaRPr lang="en-US" dirty="0"/>
+          </a:p>
+        </p:txBody>
+      </p:sp>
+      <p:sp>
+        <p:nvSpPr>
+          <p:cNvPr id="3" name="Inhaltsplatzhalter 2">
+            <a:extLst>
+              <a:ext uri="{FF2B5EF4-FFF2-40B4-BE49-F238E27FC236}">
+                <a16:creationId xmlns:a16="http://schemas.microsoft.com/office/drawing/2014/main" id="{9B01B357-79C4-429E-8F5A-AE5AAD152CD9}"/>
+              </a:ext>
+            </a:extLst>
+          </p:cNvPr>
+          <p:cNvSpPr>
+            <a:spLocks noGrp="1"/>
+          </p:cNvSpPr>
+          <p:nvPr>
+            <p:ph idx="1"/>
+          </p:nvPr>
+        </p:nvSpPr>
+        <p:spPr>
+          <a:xfrm>
+            <a:off x="4447308" y="591344"/>
+            <a:ext cx="6906491" cy="5585619"/>
+          </a:xfrm>
+        </p:spPr>
+        <p:txBody>
+          <a:bodyPr anchor="ctr">
+            <a:normAutofit/>
+          </a:bodyPr>
+          <a:lstStyle/>
+          <a:p>
+            <a:pPr marL="0" indent="0">
+              <a:buNone/>
+            </a:pPr>
+            <a:r>
+              <a:rPr lang="en-US" dirty="0"/>
+              <a:t>Data used in the project to build a </a:t>
+            </a:r>
+            <a:r>
+              <a:rPr lang="en-US" dirty="0" err="1"/>
+              <a:t>a</a:t>
+            </a:r>
+            <a:r>
+              <a:rPr lang="en-US" dirty="0"/>
+              <a:t> meaningful and characteristic feature set for each </a:t>
+            </a:r>
+            <a:r>
+              <a:rPr lang="en-US" dirty="0" err="1"/>
+              <a:t>neighbourhood</a:t>
+            </a:r>
+            <a:r>
+              <a:rPr lang="en-US" dirty="0"/>
+              <a:t> of a specific city:</a:t>
+            </a:r>
+          </a:p>
+          <a:p>
+            <a:pPr marL="514350" indent="-514350">
+              <a:buAutoNum type="arabicPeriod"/>
+            </a:pPr>
+            <a:r>
+              <a:rPr lang="en-US" b="1" dirty="0"/>
+              <a:t>Airbnb</a:t>
+            </a:r>
+            <a:r>
+              <a:rPr lang="en-US" dirty="0"/>
+              <a:t> listings data (from </a:t>
+            </a:r>
+            <a:r>
+              <a:rPr lang="en-US" dirty="0">
+                <a:hlinkClick r:id="rId2"/>
+              </a:rPr>
+              <a:t>http://insideairbnb.com/index.html</a:t>
+            </a:r>
+            <a:r>
+              <a:rPr lang="en-US" dirty="0"/>
+              <a:t>)</a:t>
+            </a:r>
+            <a:br>
+              <a:rPr lang="en-US" dirty="0"/>
+            </a:br>
+            <a:br>
+              <a:rPr lang="en-US" dirty="0"/>
+            </a:br>
+            <a:r>
+              <a:rPr lang="en-US" dirty="0"/>
+              <a:t>- Airbnb price level as a price indicator per </a:t>
+            </a:r>
+            <a:r>
+              <a:rPr lang="en-US" dirty="0" err="1"/>
+              <a:t>neighbourhood</a:t>
+            </a:r>
+            <a:br>
+              <a:rPr lang="en-US" dirty="0"/>
+            </a:br>
+            <a:r>
+              <a:rPr lang="en-US" dirty="0"/>
+              <a:t>- Airbnb room type data</a:t>
+            </a:r>
+          </a:p>
+          <a:p>
+            <a:pPr marL="514350" indent="-514350">
+              <a:buFont typeface="+mj-lt"/>
+              <a:buAutoNum type="arabicPeriod"/>
+            </a:pPr>
+            <a:r>
+              <a:rPr lang="en-US" b="1" dirty="0"/>
+              <a:t>Foursquare API</a:t>
+            </a:r>
+            <a:br>
+              <a:rPr lang="en-US" b="1" dirty="0"/>
+            </a:br>
+            <a:r>
+              <a:rPr lang="en-US" dirty="0"/>
+              <a:t>for analyzing </a:t>
+            </a:r>
+            <a:r>
+              <a:rPr lang="en-US" b="1" dirty="0"/>
+              <a:t>venue data</a:t>
+            </a:r>
+            <a:r>
+              <a:rPr lang="en-US" dirty="0"/>
+              <a:t> for the </a:t>
+            </a:r>
+            <a:r>
+              <a:rPr lang="en-US" dirty="0" err="1"/>
+              <a:t>neighbourhoods</a:t>
+            </a:r>
+            <a:r>
+              <a:rPr lang="en-US" dirty="0"/>
+              <a:t> of a specific city.</a:t>
+            </a:r>
+          </a:p>
+        </p:txBody>
+      </p:sp>
+    </p:spTree>
+    <p:extLst>
+      <p:ext uri="{BB962C8B-B14F-4D97-AF65-F5344CB8AC3E}">
+        <p14:creationId xmlns:p14="http://schemas.microsoft.com/office/powerpoint/2010/main" val="3623456234"/>
+      </p:ext>
+    </p:extLst>
+  </p:cSld>
+  <p:clrMapOvr>
+    <a:masterClrMapping/>
+  </p:clrMapOvr>
+</p:sld>
+</file>
+
+<file path=ppt/slides/slide4.xml><?xml version="1.0" encoding="utf-8"?>
+<p:sld xmlns:a="http://schemas.openxmlformats.org/drawingml/2006/main" xmlns:r="http://schemas.openxmlformats.org/officeDocument/2006/relationships" xmlns:p="http://schemas.openxmlformats.org/presentationml/2006/main">
+  <p:cSld>
+    <p:bg>
+      <p:bgPr>
+        <a:solidFill>
+          <a:schemeClr val="bg1"/>
+        </a:solidFill>
+        <a:effectLst/>
+      </p:bgPr>
+    </p:bg>
+    <p:spTree>
+      <p:nvGrpSpPr>
+        <p:cNvPr id="1" name=""/>
+        <p:cNvGrpSpPr/>
+        <p:nvPr/>
+      </p:nvGrpSpPr>
+      <p:grpSpPr>
+        <a:xfrm>
+          <a:off x="0" y="0"/>
+          <a:ext cx="0" cy="0"/>
+          <a:chOff x="0" y="0"/>
+          <a:chExt cx="0" cy="0"/>
+        </a:xfrm>
+      </p:grpSpPr>
+      <p:sp useBgFill="1">
+        <p:nvSpPr>
+          <p:cNvPr id="10" name="Rectangle 9">
+            <a:extLst>
+              <a:ext uri="{FF2B5EF4-FFF2-40B4-BE49-F238E27FC236}">
+                <a16:creationId xmlns:a16="http://schemas.microsoft.com/office/drawing/2014/main" id="{D3E17859-C5F0-476F-A082-A4CB8841DB24}"/>
+              </a:ext>
+              <a:ext uri="{C183D7F6-B498-43B3-948B-1728B52AA6E4}">
+                <adec:decorative xmlns:adec="http://schemas.microsoft.com/office/drawing/2017/decorative" val="1"/>
+              </a:ext>
+            </a:extLst>
+          </p:cNvPr>
+          <p:cNvSpPr>
+            <a:spLocks noGrp="1" noRot="1" noChangeAspect="1" noMove="1" noResize="1" noEditPoints="1" noAdjustHandles="1" noChangeArrowheads="1" noChangeShapeType="1" noTextEdit="1"/>
+          </p:cNvSpPr>
+          <p:nvPr>
+            <p:extLst>
+              <p:ext uri="{386F3935-93C4-4BCD-93E2-E3B085C9AB24}">
+                <p16:designElem xmlns:p16="http://schemas.microsoft.com/office/powerpoint/2015/main" val="1"/>
+              </p:ext>
+            </p:extLst>
+          </p:nvPr>
+        </p:nvSpPr>
+        <p:spPr bwMode="white">
+          <a:xfrm>
+            <a:off x="0" y="4375"/>
+            <a:ext cx="12192000" cy="6858000"/>
+          </a:xfrm>
+          <a:prstGeom prst="rect">
+            <a:avLst/>
+          </a:prstGeom>
+          <a:ln>
+            <a:noFill/>
+          </a:ln>
+        </p:spPr>
+        <p:style>
+          <a:lnRef idx="2">
+            <a:schemeClr val="accent1">
+              <a:shade val="50000"/>
+            </a:schemeClr>
+          </a:lnRef>
+          <a:fillRef idx="1">
+            <a:schemeClr val="accent1"/>
+          </a:fillRef>
+          <a:effectRef idx="0">
+            <a:schemeClr val="accent1"/>
+          </a:effectRef>
+          <a:fontRef idx="minor">
+            <a:schemeClr val="lt1"/>
+          </a:fontRef>
+        </p:style>
+        <p:txBody>
+          <a:bodyPr rtlCol="0" anchor="ctr"/>
+          <a:lstStyle>
+            <a:defPPr>
+              <a:defRPr lang="en-US"/>
+            </a:defPPr>
+            <a:lvl1pPr marL="0" algn="l" defTabSz="914400" rtl="0" eaLnBrk="1" latinLnBrk="0" hangingPunct="1">
+              <a:defRPr sz="1800" kern="1200">
+                <a:solidFill>
+                  <a:schemeClr val="lt1"/>
+                </a:solidFill>
+                <a:latin typeface="+mn-lt"/>
+                <a:ea typeface="+mn-ea"/>
+                <a:cs typeface="+mn-cs"/>
+              </a:defRPr>
+            </a:lvl1pPr>
+            <a:lvl2pPr marL="457200" algn="l" defTabSz="914400" rtl="0" eaLnBrk="1" latinLnBrk="0" hangingPunct="1">
+              <a:defRPr sz="1800" kern="1200">
+                <a:solidFill>
+                  <a:schemeClr val="lt1"/>
+                </a:solidFill>
+                <a:latin typeface="+mn-lt"/>
+                <a:ea typeface="+mn-ea"/>
+                <a:cs typeface="+mn-cs"/>
+              </a:defRPr>
+            </a:lvl2pPr>
+            <a:lvl3pPr marL="914400" algn="l" defTabSz="914400" rtl="0" eaLnBrk="1" latinLnBrk="0" hangingPunct="1">
+              <a:defRPr sz="1800" kern="1200">
+                <a:solidFill>
+                  <a:schemeClr val="lt1"/>
+                </a:solidFill>
+                <a:latin typeface="+mn-lt"/>
+                <a:ea typeface="+mn-ea"/>
+                <a:cs typeface="+mn-cs"/>
+              </a:defRPr>
+            </a:lvl3pPr>
+            <a:lvl4pPr marL="1371600" algn="l" defTabSz="914400" rtl="0" eaLnBrk="1" latinLnBrk="0" hangingPunct="1">
+              <a:defRPr sz="1800" kern="1200">
+                <a:solidFill>
+                  <a:schemeClr val="lt1"/>
+                </a:solidFill>
+                <a:latin typeface="+mn-lt"/>
+                <a:ea typeface="+mn-ea"/>
+                <a:cs typeface="+mn-cs"/>
+              </a:defRPr>
+            </a:lvl4pPr>
+            <a:lvl5pPr marL="1828800" algn="l" defTabSz="914400" rtl="0" eaLnBrk="1" latinLnBrk="0" hangingPunct="1">
+              <a:defRPr sz="1800" kern="1200">
+                <a:solidFill>
+                  <a:schemeClr val="lt1"/>
+                </a:solidFill>
+                <a:latin typeface="+mn-lt"/>
+                <a:ea typeface="+mn-ea"/>
+                <a:cs typeface="+mn-cs"/>
+              </a:defRPr>
+            </a:lvl5pPr>
+            <a:lvl6pPr marL="2286000" algn="l" defTabSz="914400" rtl="0" eaLnBrk="1" latinLnBrk="0" hangingPunct="1">
+              <a:defRPr sz="1800" kern="1200">
+                <a:solidFill>
+                  <a:schemeClr val="lt1"/>
+                </a:solidFill>
+                <a:latin typeface="+mn-lt"/>
+                <a:ea typeface="+mn-ea"/>
+                <a:cs typeface="+mn-cs"/>
+              </a:defRPr>
+            </a:lvl6pPr>
+            <a:lvl7pPr marL="2743200" algn="l" defTabSz="914400" rtl="0" eaLnBrk="1" latinLnBrk="0" hangingPunct="1">
+              <a:defRPr sz="1800" kern="1200">
+                <a:solidFill>
+                  <a:schemeClr val="lt1"/>
+                </a:solidFill>
+                <a:latin typeface="+mn-lt"/>
+                <a:ea typeface="+mn-ea"/>
+                <a:cs typeface="+mn-cs"/>
+              </a:defRPr>
+            </a:lvl7pPr>
+            <a:lvl8pPr marL="3200400" algn="l" defTabSz="914400" rtl="0" eaLnBrk="1" latinLnBrk="0" hangingPunct="1">
+              <a:defRPr sz="1800" kern="1200">
+                <a:solidFill>
+                  <a:schemeClr val="lt1"/>
+                </a:solidFill>
+                <a:latin typeface="+mn-lt"/>
+                <a:ea typeface="+mn-ea"/>
+                <a:cs typeface="+mn-cs"/>
+              </a:defRPr>
+            </a:lvl8pPr>
+            <a:lvl9pPr marL="3657600" algn="l" defTabSz="914400" rtl="0" eaLnBrk="1" latinLnBrk="0" hangingPunct="1">
+              <a:defRPr sz="1800" kern="1200">
+                <a:solidFill>
+                  <a:schemeClr val="lt1"/>
+                </a:solidFill>
+                <a:latin typeface="+mn-lt"/>
+                <a:ea typeface="+mn-ea"/>
+                <a:cs typeface="+mn-cs"/>
+              </a:defRPr>
+            </a:lvl9pPr>
+          </a:lstStyle>
+          <a:p>
+            <a:pPr algn="ctr"/>
+            <a:endParaRPr lang="en-US"/>
+          </a:p>
+        </p:txBody>
+      </p:sp>
+      <p:sp>
+        <p:nvSpPr>
+          <p:cNvPr id="2" name="Titel 1">
+            <a:extLst>
+              <a:ext uri="{FF2B5EF4-FFF2-40B4-BE49-F238E27FC236}">
+                <a16:creationId xmlns:a16="http://schemas.microsoft.com/office/drawing/2014/main" id="{ACCC8BC1-252C-4D7D-A653-EFDE6D11FDC7}"/>
+              </a:ext>
+            </a:extLst>
+          </p:cNvPr>
+          <p:cNvSpPr>
+            <a:spLocks noGrp="1"/>
+          </p:cNvSpPr>
+          <p:nvPr>
+            <p:ph type="title"/>
+          </p:nvPr>
+        </p:nvSpPr>
+        <p:spPr>
+          <a:xfrm>
+            <a:off x="838200" y="365125"/>
+            <a:ext cx="10515599" cy="1325563"/>
+          </a:xfrm>
+        </p:spPr>
+        <p:txBody>
+          <a:bodyPr>
+            <a:normAutofit/>
+          </a:bodyPr>
+          <a:lstStyle/>
+          <a:p>
+            <a:r>
+              <a:rPr lang="de-DE" dirty="0"/>
+              <a:t>London</a:t>
+            </a:r>
+          </a:p>
+        </p:txBody>
+      </p:sp>
+      <p:sp>
+        <p:nvSpPr>
+          <p:cNvPr id="3" name="Inhaltsplatzhalter 2">
+            <a:extLst>
+              <a:ext uri="{FF2B5EF4-FFF2-40B4-BE49-F238E27FC236}">
+                <a16:creationId xmlns:a16="http://schemas.microsoft.com/office/drawing/2014/main" id="{9B01B357-79C4-429E-8F5A-AE5AAD152CD9}"/>
+              </a:ext>
+            </a:extLst>
+          </p:cNvPr>
+          <p:cNvSpPr>
+            <a:spLocks noGrp="1"/>
+          </p:cNvSpPr>
+          <p:nvPr>
+            <p:ph idx="1"/>
+          </p:nvPr>
+        </p:nvSpPr>
+        <p:spPr>
+          <a:xfrm>
+            <a:off x="863070" y="3050525"/>
+            <a:ext cx="5393361" cy="972993"/>
+          </a:xfrm>
+        </p:spPr>
+        <p:txBody>
+          <a:bodyPr>
+            <a:normAutofit/>
+          </a:bodyPr>
+          <a:lstStyle/>
+          <a:p>
+            <a:pPr marL="0" indent="0">
+              <a:buNone/>
+            </a:pPr>
+            <a:r>
+              <a:rPr lang="en-US" dirty="0"/>
+              <a:t>We will use data for the city of </a:t>
+            </a:r>
+            <a:r>
+              <a:rPr lang="en-US" b="1" dirty="0"/>
+              <a:t>London</a:t>
+            </a:r>
+            <a:r>
+              <a:rPr lang="en-US" dirty="0"/>
+              <a:t> for an example workflow</a:t>
+            </a:r>
+          </a:p>
+          <a:p>
+            <a:pPr marL="0" indent="0">
+              <a:buNone/>
+            </a:pPr>
+            <a:endParaRPr lang="en-US" dirty="0"/>
+          </a:p>
+          <a:p>
+            <a:pPr marL="0" indent="0">
+              <a:buNone/>
+            </a:pPr>
+            <a:endParaRPr lang="en-US" dirty="0"/>
+          </a:p>
+        </p:txBody>
+      </p:sp>
+      <p:pic>
+        <p:nvPicPr>
+          <p:cNvPr id="5" name="Grafik 4" descr="Ein Bild, das Text, Karte enthält.&#10;&#10;Automatisch generierte Beschreibung">
+            <a:extLst>
+              <a:ext uri="{FF2B5EF4-FFF2-40B4-BE49-F238E27FC236}">
+                <a16:creationId xmlns:a16="http://schemas.microsoft.com/office/drawing/2014/main" id="{16FDA8D2-9B37-45B2-B8C4-BA6D0673724B}"/>
+              </a:ext>
+            </a:extLst>
+          </p:cNvPr>
+          <p:cNvPicPr>
+            <a:picLocks noChangeAspect="1"/>
+          </p:cNvPicPr>
+          <p:nvPr/>
+        </p:nvPicPr>
+        <p:blipFill rotWithShape="1">
+          <a:blip r:embed="rId2">
+            <a:extLst>
+              <a:ext uri="{28A0092B-C50C-407E-A947-70E740481C1C}">
+                <a14:useLocalDpi xmlns:a14="http://schemas.microsoft.com/office/drawing/2010/main" val="0"/>
+              </a:ext>
+            </a:extLst>
+          </a:blip>
+          <a:srcRect l="7077" r="17671" b="-3"/>
+          <a:stretch/>
+        </p:blipFill>
+        <p:spPr>
+          <a:xfrm>
+            <a:off x="6848918" y="1771078"/>
+            <a:ext cx="4504881" cy="4504881"/>
+          </a:xfrm>
+          <a:custGeom>
+            <a:avLst/>
+            <a:gdLst/>
+            <a:ahLst/>
+            <a:cxnLst/>
+            <a:rect l="l" t="t" r="r" b="b"/>
+            <a:pathLst>
+              <a:path w="2663168" h="2663168">
+                <a:moveTo>
+                  <a:pt x="1331584" y="0"/>
+                </a:moveTo>
+                <a:cubicBezTo>
+                  <a:pt x="2066998" y="0"/>
+                  <a:pt x="2663168" y="596170"/>
+                  <a:pt x="2663168" y="1331584"/>
+                </a:cubicBezTo>
+                <a:cubicBezTo>
+                  <a:pt x="2663168" y="2066998"/>
+                  <a:pt x="2066998" y="2663168"/>
+                  <a:pt x="1331584" y="2663168"/>
+                </a:cubicBezTo>
+                <a:cubicBezTo>
+                  <a:pt x="596170" y="2663168"/>
+                  <a:pt x="0" y="2066998"/>
+                  <a:pt x="0" y="1331584"/>
+                </a:cubicBezTo>
+                <a:cubicBezTo>
+                  <a:pt x="0" y="596170"/>
+                  <a:pt x="596170" y="0"/>
+                  <a:pt x="1331584" y="0"/>
+                </a:cubicBezTo>
+                <a:close/>
+              </a:path>
+            </a:pathLst>
+          </a:custGeom>
+        </p:spPr>
+      </p:pic>
+      <p:sp>
+        <p:nvSpPr>
+          <p:cNvPr id="12" name="Arc 11">
+            <a:extLst>
+              <a:ext uri="{FF2B5EF4-FFF2-40B4-BE49-F238E27FC236}">
+                <a16:creationId xmlns:a16="http://schemas.microsoft.com/office/drawing/2014/main" id="{70BEB1E7-2F88-40BC-B73D-42E5B6F80BFC}"/>
+              </a:ext>
+              <a:ext uri="{C183D7F6-B498-43B3-948B-1728B52AA6E4}">
+                <adec:decorative xmlns:adec="http://schemas.microsoft.com/office/drawing/2017/decorative" val="1"/>
+              </a:ext>
+            </a:extLst>
+          </p:cNvPr>
+          <p:cNvSpPr>
+            <a:spLocks noGrp="1" noRot="1" noChangeAspect="1" noMove="1" noResize="1" noEditPoints="1" noAdjustHandles="1" noChangeArrowheads="1" noChangeShapeType="1" noTextEdit="1"/>
+          </p:cNvSpPr>
+          <p:nvPr>
+            <p:extLst>
+              <p:ext uri="{386F3935-93C4-4BCD-93E2-E3B085C9AB24}">
+                <p16:designElem xmlns:p16="http://schemas.microsoft.com/office/powerpoint/2015/main" val="1"/>
+              </p:ext>
+            </p:extLst>
+          </p:nvPr>
+        </p:nvSpPr>
+        <p:spPr>
+          <a:xfrm rot="21189197" flipV="1">
+            <a:off x="6980527" y="1929807"/>
+            <a:ext cx="4556632" cy="4556632"/>
+          </a:xfrm>
+          <a:prstGeom prst="arc">
+            <a:avLst>
+              <a:gd name="adj1" fmla="val 16200000"/>
+              <a:gd name="adj2" fmla="val 20093138"/>
+            </a:avLst>
+          </a:prstGeom>
+          <a:ln w="127000" cap="rnd">
+            <a:solidFill>
+              <a:schemeClr val="accent4">
+                <a:alpha val="95000"/>
+              </a:schemeClr>
+            </a:solidFill>
+            <a:prstDash val="dash"/>
+          </a:ln>
+        </p:spPr>
+        <p:style>
+          <a:lnRef idx="1">
+            <a:schemeClr val="accent1"/>
+          </a:lnRef>
+          <a:fillRef idx="0">
+            <a:schemeClr val="accent1"/>
+          </a:fillRef>
+          <a:effectRef idx="0">
+            <a:schemeClr val="accent1"/>
+          </a:effectRef>
+          <a:fontRef idx="minor">
+            <a:schemeClr val="tx1"/>
+          </a:fontRef>
+        </p:style>
+        <p:txBody>
+          <a:bodyPr rtlCol="0" anchor="ctr"/>
+          <a:lstStyle/>
+          <a:p>
+            <a:pPr algn="ctr"/>
+            <a:endParaRPr lang="en-US" dirty="0"/>
+          </a:p>
+        </p:txBody>
+      </p:sp>
+      <p:sp>
+        <p:nvSpPr>
+          <p:cNvPr id="14" name="Oval 13">
+            <a:extLst>
+              <a:ext uri="{FF2B5EF4-FFF2-40B4-BE49-F238E27FC236}">
+                <a16:creationId xmlns:a16="http://schemas.microsoft.com/office/drawing/2014/main" id="{A7B99495-F43F-4D80-A44F-2CB4764EB90B}"/>
+              </a:ext>
+              <a:ext uri="{C183D7F6-B498-43B3-948B-1728B52AA6E4}">
+                <adec:decorative xmlns:adec="http://schemas.microsoft.com/office/drawing/2017/decorative" val="1"/>
+              </a:ext>
+            </a:extLst>
+          </p:cNvPr>
+          <p:cNvSpPr>
+            <a:spLocks noGrp="1" noRot="1" noChangeAspect="1" noMove="1" noResize="1" noEditPoints="1" noAdjustHandles="1" noChangeArrowheads="1" noChangeShapeType="1" noTextEdit="1"/>
+          </p:cNvSpPr>
+          <p:nvPr>
+            <p:extLst>
+              <p:ext uri="{386F3935-93C4-4BCD-93E2-E3B085C9AB24}">
+                <p16:designElem xmlns:p16="http://schemas.microsoft.com/office/powerpoint/2015/main" val="1"/>
+              </p:ext>
+            </p:extLst>
+          </p:nvPr>
+        </p:nvSpPr>
+        <p:spPr>
+          <a:xfrm>
+            <a:off x="10300988" y="1969050"/>
+            <a:ext cx="666675" cy="648590"/>
+          </a:xfrm>
+          <a:prstGeom prst="ellipse">
+            <a:avLst/>
+          </a:prstGeom>
+          <a:solidFill>
+            <a:schemeClr val="accent2"/>
+          </a:solidFill>
+          <a:ln>
+            <a:noFill/>
+          </a:ln>
+        </p:spPr>
+        <p:style>
+          <a:lnRef idx="2">
+            <a:schemeClr val="accent1">
+              <a:shade val="50000"/>
+            </a:schemeClr>
+          </a:lnRef>
+          <a:fillRef idx="1">
+            <a:schemeClr val="accent1"/>
+          </a:fillRef>
+          <a:effectRef idx="0">
+            <a:schemeClr val="accent1"/>
+          </a:effectRef>
+          <a:fontRef idx="minor">
+            <a:schemeClr val="lt1"/>
+          </a:fontRef>
+        </p:style>
+        <p:txBody>
+          <a:bodyPr rtlCol="0" anchor="ctr"/>
+          <a:lstStyle/>
+          <a:p>
+            <a:pPr marL="0" marR="0" lvl="0" indent="0" algn="ctr" defTabSz="914400" rtl="0" eaLnBrk="1" fontAlgn="auto" latinLnBrk="0" hangingPunct="1">
+              <a:lnSpc>
+                <a:spcPct val="100000"/>
+              </a:lnSpc>
+              <a:spcBef>
+                <a:spcPts val="0"/>
+              </a:spcBef>
+              <a:spcAft>
+                <a:spcPts val="0"/>
+              </a:spcAft>
+              <a:buClrTx/>
+              <a:buSzTx/>
+              <a:buFontTx/>
+              <a:buNone/>
+              <a:tabLst/>
+              <a:defRPr/>
+            </a:pPr>
+            <a:endParaRPr kumimoji="0" lang="en-US" sz="1800" b="0" i="0" u="none" strike="noStrike" kern="1200" cap="none" spc="0" normalizeH="0" baseline="0" noProof="0">
+              <a:ln>
+                <a:noFill/>
+              </a:ln>
+              <a:solidFill>
+                <a:srgbClr val="FFFFFF"/>
+              </a:solidFill>
+              <a:effectLst/>
+              <a:uLnTx/>
+              <a:uFillTx/>
+              <a:latin typeface="Calibri" panose="020F0502020204030204"/>
+              <a:ea typeface="+mn-ea"/>
+              <a:cs typeface="+mn-cs"/>
+            </a:endParaRPr>
+          </a:p>
+        </p:txBody>
+      </p:sp>
+    </p:spTree>
+    <p:extLst>
+      <p:ext uri="{BB962C8B-B14F-4D97-AF65-F5344CB8AC3E}">
+        <p14:creationId xmlns:p14="http://schemas.microsoft.com/office/powerpoint/2010/main" val="3703093626"/>
+      </p:ext>
+    </p:extLst>
+  </p:cSld>
+  <p:clrMapOvr>
+    <a:masterClrMapping/>
+  </p:clrMapOvr>
+</p:sld>
+</file>
+
+<file path=ppt/slides/slide5.xml><?xml version="1.0" encoding="utf-8"?>
+<p:sld xmlns:a="http://schemas.openxmlformats.org/drawingml/2006/main" xmlns:r="http://schemas.openxmlformats.org/officeDocument/2006/relationships" xmlns:p="http://schemas.openxmlformats.org/presentationml/2006/main">
+  <p:cSld>
+    <p:bg>
+      <p:bgPr>
+        <a:solidFill>
+          <a:schemeClr val="bg1"/>
+        </a:solidFill>
+        <a:effectLst/>
+      </p:bgPr>
+    </p:bg>
+    <p:spTree>
+      <p:nvGrpSpPr>
+        <p:cNvPr id="1" name=""/>
+        <p:cNvGrpSpPr/>
+        <p:nvPr/>
+      </p:nvGrpSpPr>
+      <p:grpSpPr>
+        <a:xfrm>
+          <a:off x="0" y="0"/>
+          <a:ext cx="0" cy="0"/>
+          <a:chOff x="0" y="0"/>
+          <a:chExt cx="0" cy="0"/>
+        </a:xfrm>
+      </p:grpSpPr>
+      <p:sp useBgFill="1">
+        <p:nvSpPr>
+          <p:cNvPr id="14" name="Rectangle 7">
+            <a:extLst>
+              <a:ext uri="{FF2B5EF4-FFF2-40B4-BE49-F238E27FC236}">
+                <a16:creationId xmlns:a16="http://schemas.microsoft.com/office/drawing/2014/main" id="{907EF6B7-1338-4443-8C46-6A318D952DFD}"/>
+              </a:ext>
+              <a:ext uri="{C183D7F6-B498-43B3-948B-1728B52AA6E4}">
+                <adec:decorative xmlns:adec="http://schemas.microsoft.com/office/drawing/2017/decorative" val="1"/>
+              </a:ext>
+            </a:extLst>
+          </p:cNvPr>
+          <p:cNvSpPr>
+            <a:spLocks noGrp="1" noRot="1" noChangeAspect="1" noMove="1" noResize="1" noEditPoints="1" noAdjustHandles="1" noChangeArrowheads="1" noChangeShapeType="1" noTextEdit="1"/>
+          </p:cNvSpPr>
+          <p:nvPr>
+            <p:extLst>
+              <p:ext uri="{386F3935-93C4-4BCD-93E2-E3B085C9AB24}">
+                <p16:designElem xmlns:p16="http://schemas.microsoft.com/office/powerpoint/2015/main" val="1"/>
+              </p:ext>
+            </p:extLst>
+          </p:nvPr>
+        </p:nvSpPr>
+        <p:spPr>
+          <a:xfrm>
+            <a:off x="3048" y="0"/>
+            <a:ext cx="12188952" cy="6858000"/>
+          </a:xfrm>
+          <a:prstGeom prst="rect">
+            <a:avLst/>
+          </a:prstGeom>
+          <a:ln>
+            <a:noFill/>
+          </a:ln>
+        </p:spPr>
+        <p:style>
+          <a:lnRef idx="2">
+            <a:schemeClr val="accent1">
+              <a:shade val="50000"/>
+            </a:schemeClr>
+          </a:lnRef>
+          <a:fillRef idx="1">
+            <a:schemeClr val="accent1"/>
+          </a:fillRef>
+          <a:effectRef idx="0">
+            <a:schemeClr val="accent1"/>
+          </a:effectRef>
+          <a:fontRef idx="minor">
+            <a:schemeClr val="lt1"/>
+          </a:fontRef>
+        </p:style>
+        <p:txBody>
+          <a:bodyPr rtlCol="0" anchor="ctr"/>
+          <a:lstStyle/>
+          <a:p>
+            <a:pPr algn="ctr"/>
+            <a:endParaRPr lang="en-US"/>
+          </a:p>
+        </p:txBody>
+      </p:sp>
+      <p:sp>
+        <p:nvSpPr>
+          <p:cNvPr id="15" name="Freeform: Shape 9">
+            <a:extLst>
+              <a:ext uri="{FF2B5EF4-FFF2-40B4-BE49-F238E27FC236}">
+                <a16:creationId xmlns:a16="http://schemas.microsoft.com/office/drawing/2014/main" id="{DAAE4CDD-124C-4DCF-9584-B6033B545DD5}"/>
+              </a:ext>
+              <a:ext uri="{C183D7F6-B498-43B3-948B-1728B52AA6E4}">
+                <adec:decorative xmlns:adec="http://schemas.microsoft.com/office/drawing/2017/decorative" val="1"/>
+              </a:ext>
+            </a:extLst>
+          </p:cNvPr>
+          <p:cNvSpPr>
+            <a:spLocks noGrp="1" noRot="1" noChangeAspect="1" noMove="1" noResize="1" noEditPoints="1" noAdjustHandles="1" noChangeArrowheads="1" noChangeShapeType="1" noTextEdit="1"/>
+          </p:cNvSpPr>
+          <p:nvPr>
+            <p:extLst>
+              <p:ext uri="{386F3935-93C4-4BCD-93E2-E3B085C9AB24}">
+                <p16:designElem xmlns:p16="http://schemas.microsoft.com/office/powerpoint/2015/main" val="1"/>
+              </p:ext>
+            </p:extLst>
+          </p:nvPr>
+        </p:nvSpPr>
+        <p:spPr>
+          <a:xfrm>
+            <a:off x="1" y="0"/>
+            <a:ext cx="4167271" cy="6858000"/>
+          </a:xfrm>
+          <a:custGeom>
+            <a:avLst/>
+            <a:gdLst>
+              <a:gd name="connsiteX0" fmla="*/ 0 w 4167271"/>
+              <a:gd name="connsiteY0" fmla="*/ 0 h 6858000"/>
+              <a:gd name="connsiteX1" fmla="*/ 2259550 w 4167271"/>
+              <a:gd name="connsiteY1" fmla="*/ 0 h 6858000"/>
+              <a:gd name="connsiteX2" fmla="*/ 2387803 w 4167271"/>
+              <a:gd name="connsiteY2" fmla="*/ 82222 h 6858000"/>
+              <a:gd name="connsiteX3" fmla="*/ 4167271 w 4167271"/>
+              <a:gd name="connsiteY3" fmla="*/ 3429000 h 6858000"/>
+              <a:gd name="connsiteX4" fmla="*/ 2387803 w 4167271"/>
+              <a:gd name="connsiteY4" fmla="*/ 6775779 h 6858000"/>
+              <a:gd name="connsiteX5" fmla="*/ 2259550 w 4167271"/>
+              <a:gd name="connsiteY5" fmla="*/ 6858000 h 6858000"/>
+              <a:gd name="connsiteX6" fmla="*/ 0 w 4167271"/>
+              <a:gd name="connsiteY6" fmla="*/ 6858000 h 6858000"/>
+            </a:gdLst>
+            <a:ahLst/>
+            <a:cxnLst>
+              <a:cxn ang="0">
+                <a:pos x="connsiteX0" y="connsiteY0"/>
+              </a:cxn>
+              <a:cxn ang="0">
+                <a:pos x="connsiteX1" y="connsiteY1"/>
+              </a:cxn>
+              <a:cxn ang="0">
+                <a:pos x="connsiteX2" y="connsiteY2"/>
+              </a:cxn>
+              <a:cxn ang="0">
+                <a:pos x="connsiteX3" y="connsiteY3"/>
+              </a:cxn>
+              <a:cxn ang="0">
+                <a:pos x="connsiteX4" y="connsiteY4"/>
+              </a:cxn>
+              <a:cxn ang="0">
+                <a:pos x="connsiteX5" y="connsiteY5"/>
+              </a:cxn>
+              <a:cxn ang="0">
+                <a:pos x="connsiteX6" y="connsiteY6"/>
+              </a:cxn>
+            </a:cxnLst>
+            <a:rect l="l" t="t" r="r" b="b"/>
+            <a:pathLst>
+              <a:path w="4167271" h="6858000">
+                <a:moveTo>
+                  <a:pt x="0" y="0"/>
+                </a:moveTo>
+                <a:lnTo>
+                  <a:pt x="2259550" y="0"/>
+                </a:lnTo>
+                <a:lnTo>
+                  <a:pt x="2387803" y="82222"/>
+                </a:lnTo>
+                <a:cubicBezTo>
+                  <a:pt x="3461407" y="807534"/>
+                  <a:pt x="4167271" y="2035835"/>
+                  <a:pt x="4167271" y="3429000"/>
+                </a:cubicBezTo>
+                <a:cubicBezTo>
+                  <a:pt x="4167271" y="4822165"/>
+                  <a:pt x="3461407" y="6050467"/>
+                  <a:pt x="2387803" y="6775779"/>
+                </a:cubicBezTo>
+                <a:lnTo>
+                  <a:pt x="2259550" y="6858000"/>
+                </a:lnTo>
+                <a:lnTo>
+                  <a:pt x="0" y="6858000"/>
+                </a:lnTo>
+                <a:close/>
+              </a:path>
+            </a:pathLst>
+          </a:custGeom>
+          <a:solidFill>
+            <a:schemeClr val="accent2"/>
+          </a:solidFill>
+          <a:ln>
+            <a:noFill/>
+          </a:ln>
+        </p:spPr>
+        <p:style>
+          <a:lnRef idx="2">
+            <a:schemeClr val="accent1">
+              <a:shade val="50000"/>
+            </a:schemeClr>
+          </a:lnRef>
+          <a:fillRef idx="1">
+            <a:schemeClr val="accent1"/>
+          </a:fillRef>
+          <a:effectRef idx="0">
+            <a:schemeClr val="accent1"/>
+          </a:effectRef>
+          <a:fontRef idx="minor">
+            <a:schemeClr val="lt1"/>
+          </a:fontRef>
+        </p:style>
+        <p:txBody>
+          <a:bodyPr rtlCol="0" anchor="ctr"/>
+          <a:lstStyle/>
+          <a:p>
+            <a:pPr algn="ctr"/>
+            <a:endParaRPr lang="en-US"/>
+          </a:p>
+        </p:txBody>
+      </p:sp>
+      <p:sp>
+        <p:nvSpPr>
+          <p:cNvPr id="2" name="Titel 1">
+            <a:extLst>
+              <a:ext uri="{FF2B5EF4-FFF2-40B4-BE49-F238E27FC236}">
+                <a16:creationId xmlns:a16="http://schemas.microsoft.com/office/drawing/2014/main" id="{ACCC8BC1-252C-4D7D-A653-EFDE6D11FDC7}"/>
+              </a:ext>
+            </a:extLst>
+          </p:cNvPr>
+          <p:cNvSpPr>
+            <a:spLocks noGrp="1"/>
+          </p:cNvSpPr>
+          <p:nvPr>
+            <p:ph type="title"/>
+          </p:nvPr>
+        </p:nvSpPr>
+        <p:spPr>
+          <a:xfrm>
+            <a:off x="686834" y="1153572"/>
+            <a:ext cx="3200400" cy="4461163"/>
+          </a:xfrm>
+        </p:spPr>
+        <p:txBody>
+          <a:bodyPr>
+            <a:normAutofit/>
+          </a:bodyPr>
+          <a:lstStyle/>
+          <a:p>
+            <a:r>
+              <a:rPr lang="de-DE" dirty="0">
+                <a:solidFill>
+                  <a:srgbClr val="FFFFFF"/>
+                </a:solidFill>
+              </a:rPr>
+              <a:t>Clustering</a:t>
+            </a:r>
+          </a:p>
+        </p:txBody>
+      </p:sp>
+      <p:sp>
+        <p:nvSpPr>
+          <p:cNvPr id="16" name="Arc 11">
+            <a:extLst>
+              <a:ext uri="{FF2B5EF4-FFF2-40B4-BE49-F238E27FC236}">
+                <a16:creationId xmlns:a16="http://schemas.microsoft.com/office/drawing/2014/main" id="{081E4A58-353D-44AE-B2FC-2A74E2E400F7}"/>
+              </a:ext>
+              <a:ext uri="{C183D7F6-B498-43B3-948B-1728B52AA6E4}">
+                <adec:decorative xmlns:adec="http://schemas.microsoft.com/office/drawing/2017/decorative" val="1"/>
+              </a:ext>
+            </a:extLst>
+          </p:cNvPr>
+          <p:cNvSpPr>
+            <a:spLocks noGrp="1" noRot="1" noChangeAspect="1" noMove="1" noResize="1" noEditPoints="1" noAdjustHandles="1" noChangeArrowheads="1" noChangeShapeType="1" noTextEdit="1"/>
+          </p:cNvSpPr>
+          <p:nvPr>
+            <p:extLst>
+              <p:ext uri="{386F3935-93C4-4BCD-93E2-E3B085C9AB24}">
+                <p16:designElem xmlns:p16="http://schemas.microsoft.com/office/powerpoint/2015/main" val="1"/>
+              </p:ext>
+            </p:extLst>
+          </p:nvPr>
+        </p:nvSpPr>
+        <p:spPr>
+          <a:xfrm flipV="1">
+            <a:off x="7550402" y="2455479"/>
+            <a:ext cx="4083433" cy="4083433"/>
+          </a:xfrm>
+          <a:prstGeom prst="arc">
+            <a:avLst/>
+          </a:prstGeom>
+          <a:ln w="127000" cap="rnd">
+            <a:solidFill>
+              <a:schemeClr val="accent4"/>
+            </a:solidFill>
+            <a:prstDash val="dash"/>
+          </a:ln>
+        </p:spPr>
+        <p:style>
+          <a:lnRef idx="1">
+            <a:schemeClr val="accent1"/>
+          </a:lnRef>
+          <a:fillRef idx="0">
+            <a:schemeClr val="accent1"/>
+          </a:fillRef>
+          <a:effectRef idx="0">
+            <a:schemeClr val="accent1"/>
+          </a:effectRef>
+          <a:fontRef idx="minor">
+            <a:schemeClr val="tx1"/>
+          </a:fontRef>
+        </p:style>
+        <p:txBody>
+          <a:bodyPr rtlCol="0" anchor="ctr"/>
+          <a:lstStyle/>
+          <a:p>
+            <a:pPr algn="ctr"/>
+            <a:endParaRPr lang="en-US" dirty="0"/>
+          </a:p>
+        </p:txBody>
+      </p:sp>
+      <p:sp>
+        <p:nvSpPr>
+          <p:cNvPr id="3" name="Inhaltsplatzhalter 2">
+            <a:extLst>
+              <a:ext uri="{FF2B5EF4-FFF2-40B4-BE49-F238E27FC236}">
+                <a16:creationId xmlns:a16="http://schemas.microsoft.com/office/drawing/2014/main" id="{9B01B357-79C4-429E-8F5A-AE5AAD152CD9}"/>
+              </a:ext>
+            </a:extLst>
+          </p:cNvPr>
+          <p:cNvSpPr>
+            <a:spLocks noGrp="1"/>
+          </p:cNvSpPr>
+          <p:nvPr>
+            <p:ph idx="1"/>
+          </p:nvPr>
+        </p:nvSpPr>
+        <p:spPr>
+          <a:xfrm>
+            <a:off x="4639225" y="290409"/>
+            <a:ext cx="6906491" cy="651921"/>
+          </a:xfrm>
+        </p:spPr>
+        <p:txBody>
+          <a:bodyPr anchor="ctr">
+            <a:normAutofit fontScale="85000" lnSpcReduction="20000"/>
+          </a:bodyPr>
+          <a:lstStyle/>
+          <a:p>
+            <a:pPr marL="0" indent="0">
+              <a:buNone/>
+            </a:pPr>
+            <a:r>
+              <a:rPr lang="en-US" dirty="0"/>
+              <a:t>After building our </a:t>
+            </a:r>
+            <a:r>
+              <a:rPr lang="en-US" b="1" dirty="0"/>
+              <a:t>feature set </a:t>
+            </a:r>
+            <a:r>
+              <a:rPr lang="en-US" dirty="0"/>
+              <a:t>we apply K-Means and gain 5 clusters for London’s </a:t>
+            </a:r>
+            <a:r>
+              <a:rPr lang="en-US" dirty="0" err="1"/>
+              <a:t>neighbourhoods</a:t>
+            </a:r>
+            <a:r>
+              <a:rPr lang="en-US" dirty="0"/>
+              <a:t>:</a:t>
+            </a:r>
+          </a:p>
+        </p:txBody>
+      </p:sp>
+      <p:pic>
+        <p:nvPicPr>
+          <p:cNvPr id="7" name="Grafik 6">
+            <a:extLst>
+              <a:ext uri="{FF2B5EF4-FFF2-40B4-BE49-F238E27FC236}">
+                <a16:creationId xmlns:a16="http://schemas.microsoft.com/office/drawing/2014/main" id="{DAF71E63-A43E-4D8B-8543-9F72DA68FBBD}"/>
+              </a:ext>
+            </a:extLst>
+          </p:cNvPr>
+          <p:cNvPicPr>
+            <a:picLocks noChangeAspect="1"/>
+          </p:cNvPicPr>
+          <p:nvPr/>
+        </p:nvPicPr>
+        <p:blipFill>
+          <a:blip r:embed="rId2">
+            <a:extLst>
+              <a:ext uri="{28A0092B-C50C-407E-A947-70E740481C1C}">
+                <a14:useLocalDpi xmlns:a14="http://schemas.microsoft.com/office/drawing/2010/main" val="0"/>
+              </a:ext>
+            </a:extLst>
+          </a:blip>
+          <a:stretch>
+            <a:fillRect/>
+          </a:stretch>
+        </p:blipFill>
+        <p:spPr>
+          <a:xfrm>
+            <a:off x="5262883" y="1288481"/>
+            <a:ext cx="5659173" cy="4218656"/>
+          </a:xfrm>
+          <a:prstGeom prst="rect">
+            <a:avLst/>
+          </a:prstGeom>
+        </p:spPr>
+      </p:pic>
+    </p:spTree>
+    <p:extLst>
+      <p:ext uri="{BB962C8B-B14F-4D97-AF65-F5344CB8AC3E}">
+        <p14:creationId xmlns:p14="http://schemas.microsoft.com/office/powerpoint/2010/main" val="444628565"/>
+      </p:ext>
+    </p:extLst>
+  </p:cSld>
+  <p:clrMapOvr>
+    <a:masterClrMapping/>
+  </p:clrMapOvr>
+</p:sld>
+</file>
+
+<file path=ppt/slides/slide6.xml><?xml version="1.0" encoding="utf-8"?>
+<p:sld xmlns:a="http://schemas.openxmlformats.org/drawingml/2006/main" xmlns:r="http://schemas.openxmlformats.org/officeDocument/2006/relationships" xmlns:p="http://schemas.openxmlformats.org/presentationml/2006/main">
+  <p:cSld>
+    <p:bg>
+      <p:bgPr>
+        <a:solidFill>
+          <a:schemeClr val="bg1"/>
+        </a:solidFill>
+        <a:effectLst/>
+      </p:bgPr>
+    </p:bg>
+    <p:spTree>
+      <p:nvGrpSpPr>
+        <p:cNvPr id="1" name=""/>
+        <p:cNvGrpSpPr/>
+        <p:nvPr/>
+      </p:nvGrpSpPr>
+      <p:grpSpPr>
+        <a:xfrm>
+          <a:off x="0" y="0"/>
+          <a:ext cx="0" cy="0"/>
+          <a:chOff x="0" y="0"/>
+          <a:chExt cx="0" cy="0"/>
+        </a:xfrm>
+      </p:grpSpPr>
+      <p:sp useBgFill="1">
+        <p:nvSpPr>
+          <p:cNvPr id="14" name="Rectangle 7">
+            <a:extLst>
+              <a:ext uri="{FF2B5EF4-FFF2-40B4-BE49-F238E27FC236}">
+                <a16:creationId xmlns:a16="http://schemas.microsoft.com/office/drawing/2014/main" id="{907EF6B7-1338-4443-8C46-6A318D952DFD}"/>
+              </a:ext>
+              <a:ext uri="{C183D7F6-B498-43B3-948B-1728B52AA6E4}">
+                <adec:decorative xmlns:adec="http://schemas.microsoft.com/office/drawing/2017/decorative" val="1"/>
+              </a:ext>
+            </a:extLst>
+          </p:cNvPr>
+          <p:cNvSpPr>
+            <a:spLocks noGrp="1" noRot="1" noChangeAspect="1" noMove="1" noResize="1" noEditPoints="1" noAdjustHandles="1" noChangeArrowheads="1" noChangeShapeType="1" noTextEdit="1"/>
+          </p:cNvSpPr>
+          <p:nvPr>
+            <p:extLst>
+              <p:ext uri="{386F3935-93C4-4BCD-93E2-E3B085C9AB24}">
+                <p16:designElem xmlns:p16="http://schemas.microsoft.com/office/powerpoint/2015/main" val="1"/>
+              </p:ext>
+            </p:extLst>
+          </p:nvPr>
+        </p:nvSpPr>
+        <p:spPr>
+          <a:xfrm>
+            <a:off x="3048" y="0"/>
+            <a:ext cx="12188952" cy="6858000"/>
+          </a:xfrm>
+          <a:prstGeom prst="rect">
+            <a:avLst/>
+          </a:prstGeom>
+          <a:ln>
+            <a:noFill/>
+          </a:ln>
+        </p:spPr>
+        <p:style>
+          <a:lnRef idx="2">
+            <a:schemeClr val="accent1">
+              <a:shade val="50000"/>
+            </a:schemeClr>
+          </a:lnRef>
+          <a:fillRef idx="1">
+            <a:schemeClr val="accent1"/>
+          </a:fillRef>
+          <a:effectRef idx="0">
+            <a:schemeClr val="accent1"/>
+          </a:effectRef>
+          <a:fontRef idx="minor">
+            <a:schemeClr val="lt1"/>
+          </a:fontRef>
+        </p:style>
+        <p:txBody>
+          <a:bodyPr rtlCol="0" anchor="ctr"/>
+          <a:lstStyle/>
+          <a:p>
+            <a:pPr algn="ctr"/>
+            <a:endParaRPr lang="en-US"/>
+          </a:p>
+        </p:txBody>
+      </p:sp>
+      <p:sp>
+        <p:nvSpPr>
+          <p:cNvPr id="15" name="Freeform: Shape 9">
+            <a:extLst>
+              <a:ext uri="{FF2B5EF4-FFF2-40B4-BE49-F238E27FC236}">
+                <a16:creationId xmlns:a16="http://schemas.microsoft.com/office/drawing/2014/main" id="{DAAE4CDD-124C-4DCF-9584-B6033B545DD5}"/>
+              </a:ext>
+              <a:ext uri="{C183D7F6-B498-43B3-948B-1728B52AA6E4}">
+                <adec:decorative xmlns:adec="http://schemas.microsoft.com/office/drawing/2017/decorative" val="1"/>
+              </a:ext>
+            </a:extLst>
+          </p:cNvPr>
+          <p:cNvSpPr>
+            <a:spLocks noGrp="1" noRot="1" noChangeAspect="1" noMove="1" noResize="1" noEditPoints="1" noAdjustHandles="1" noChangeArrowheads="1" noChangeShapeType="1" noTextEdit="1"/>
+          </p:cNvSpPr>
+          <p:nvPr>
+            <p:extLst>
+              <p:ext uri="{386F3935-93C4-4BCD-93E2-E3B085C9AB24}">
+                <p16:designElem xmlns:p16="http://schemas.microsoft.com/office/powerpoint/2015/main" val="1"/>
+              </p:ext>
+            </p:extLst>
+          </p:nvPr>
+        </p:nvSpPr>
+        <p:spPr>
+          <a:xfrm>
+            <a:off x="1" y="0"/>
+            <a:ext cx="4167271" cy="6858000"/>
+          </a:xfrm>
+          <a:custGeom>
+            <a:avLst/>
+            <a:gdLst>
+              <a:gd name="connsiteX0" fmla="*/ 0 w 4167271"/>
+              <a:gd name="connsiteY0" fmla="*/ 0 h 6858000"/>
+              <a:gd name="connsiteX1" fmla="*/ 2259550 w 4167271"/>
+              <a:gd name="connsiteY1" fmla="*/ 0 h 6858000"/>
+              <a:gd name="connsiteX2" fmla="*/ 2387803 w 4167271"/>
+              <a:gd name="connsiteY2" fmla="*/ 82222 h 6858000"/>
+              <a:gd name="connsiteX3" fmla="*/ 4167271 w 4167271"/>
+              <a:gd name="connsiteY3" fmla="*/ 3429000 h 6858000"/>
+              <a:gd name="connsiteX4" fmla="*/ 2387803 w 4167271"/>
+              <a:gd name="connsiteY4" fmla="*/ 6775779 h 6858000"/>
+              <a:gd name="connsiteX5" fmla="*/ 2259550 w 4167271"/>
+              <a:gd name="connsiteY5" fmla="*/ 6858000 h 6858000"/>
+              <a:gd name="connsiteX6" fmla="*/ 0 w 4167271"/>
+              <a:gd name="connsiteY6" fmla="*/ 6858000 h 6858000"/>
+            </a:gdLst>
+            <a:ahLst/>
+            <a:cxnLst>
+              <a:cxn ang="0">
+                <a:pos x="connsiteX0" y="connsiteY0"/>
+              </a:cxn>
+              <a:cxn ang="0">
+                <a:pos x="connsiteX1" y="connsiteY1"/>
+              </a:cxn>
+              <a:cxn ang="0">
+                <a:pos x="connsiteX2" y="connsiteY2"/>
+              </a:cxn>
+              <a:cxn ang="0">
+                <a:pos x="connsiteX3" y="connsiteY3"/>
+              </a:cxn>
+              <a:cxn ang="0">
+                <a:pos x="connsiteX4" y="connsiteY4"/>
+              </a:cxn>
+              <a:cxn ang="0">
+                <a:pos x="connsiteX5" y="connsiteY5"/>
+              </a:cxn>
+              <a:cxn ang="0">
+                <a:pos x="connsiteX6" y="connsiteY6"/>
+              </a:cxn>
+            </a:cxnLst>
+            <a:rect l="l" t="t" r="r" b="b"/>
+            <a:pathLst>
+              <a:path w="4167271" h="6858000">
+                <a:moveTo>
+                  <a:pt x="0" y="0"/>
+                </a:moveTo>
+                <a:lnTo>
+                  <a:pt x="2259550" y="0"/>
+                </a:lnTo>
+                <a:lnTo>
+                  <a:pt x="2387803" y="82222"/>
+                </a:lnTo>
+                <a:cubicBezTo>
+                  <a:pt x="3461407" y="807534"/>
+                  <a:pt x="4167271" y="2035835"/>
+                  <a:pt x="4167271" y="3429000"/>
+                </a:cubicBezTo>
+                <a:cubicBezTo>
+                  <a:pt x="4167271" y="4822165"/>
+                  <a:pt x="3461407" y="6050467"/>
+                  <a:pt x="2387803" y="6775779"/>
+                </a:cubicBezTo>
+                <a:lnTo>
+                  <a:pt x="2259550" y="6858000"/>
+                </a:lnTo>
+                <a:lnTo>
+                  <a:pt x="0" y="6858000"/>
+                </a:lnTo>
+                <a:close/>
+              </a:path>
+            </a:pathLst>
+          </a:custGeom>
+          <a:solidFill>
+            <a:schemeClr val="accent2"/>
+          </a:solidFill>
+          <a:ln>
+            <a:noFill/>
+          </a:ln>
+        </p:spPr>
+        <p:style>
+          <a:lnRef idx="2">
+            <a:schemeClr val="accent1">
+              <a:shade val="50000"/>
+            </a:schemeClr>
+          </a:lnRef>
+          <a:fillRef idx="1">
+            <a:schemeClr val="accent1"/>
+          </a:fillRef>
+          <a:effectRef idx="0">
+            <a:schemeClr val="accent1"/>
+          </a:effectRef>
+          <a:fontRef idx="minor">
+            <a:schemeClr val="lt1"/>
+          </a:fontRef>
+        </p:style>
+        <p:txBody>
+          <a:bodyPr rtlCol="0" anchor="ctr"/>
+          <a:lstStyle/>
+          <a:p>
+            <a:pPr algn="ctr"/>
+            <a:endParaRPr lang="en-US"/>
+          </a:p>
+        </p:txBody>
+      </p:sp>
+      <p:sp>
+        <p:nvSpPr>
+          <p:cNvPr id="2" name="Titel 1">
+            <a:extLst>
+              <a:ext uri="{FF2B5EF4-FFF2-40B4-BE49-F238E27FC236}">
+                <a16:creationId xmlns:a16="http://schemas.microsoft.com/office/drawing/2014/main" id="{ACCC8BC1-252C-4D7D-A653-EFDE6D11FDC7}"/>
+              </a:ext>
+            </a:extLst>
+          </p:cNvPr>
+          <p:cNvSpPr>
+            <a:spLocks noGrp="1"/>
+          </p:cNvSpPr>
+          <p:nvPr>
+            <p:ph type="title"/>
+          </p:nvPr>
+        </p:nvSpPr>
+        <p:spPr>
+          <a:xfrm>
+            <a:off x="686834" y="1153572"/>
+            <a:ext cx="3200400" cy="4461163"/>
+          </a:xfrm>
+        </p:spPr>
+        <p:txBody>
+          <a:bodyPr>
+            <a:normAutofit/>
+          </a:bodyPr>
+          <a:lstStyle/>
+          <a:p>
+            <a:r>
+              <a:rPr lang="de-DE" dirty="0">
+                <a:solidFill>
+                  <a:srgbClr val="FFFFFF"/>
+                </a:solidFill>
+              </a:rPr>
+              <a:t>Cluster</a:t>
+            </a:r>
+            <a:br>
+              <a:rPr lang="de-DE" dirty="0">
+                <a:solidFill>
+                  <a:srgbClr val="FFFFFF"/>
+                </a:solidFill>
+              </a:rPr>
+            </a:br>
+            <a:r>
+              <a:rPr lang="de-DE" dirty="0" err="1">
+                <a:solidFill>
+                  <a:srgbClr val="FFFFFF"/>
+                </a:solidFill>
+              </a:rPr>
+              <a:t>Profiles</a:t>
+            </a:r>
+            <a:endParaRPr lang="de-DE" dirty="0">
+              <a:solidFill>
+                <a:srgbClr val="FFFFFF"/>
+              </a:solidFill>
+            </a:endParaRPr>
+          </a:p>
+        </p:txBody>
+      </p:sp>
+      <p:sp>
+        <p:nvSpPr>
+          <p:cNvPr id="16" name="Arc 11">
+            <a:extLst>
+              <a:ext uri="{FF2B5EF4-FFF2-40B4-BE49-F238E27FC236}">
+                <a16:creationId xmlns:a16="http://schemas.microsoft.com/office/drawing/2014/main" id="{081E4A58-353D-44AE-B2FC-2A74E2E400F7}"/>
+              </a:ext>
+              <a:ext uri="{C183D7F6-B498-43B3-948B-1728B52AA6E4}">
+                <adec:decorative xmlns:adec="http://schemas.microsoft.com/office/drawing/2017/decorative" val="1"/>
+              </a:ext>
+            </a:extLst>
+          </p:cNvPr>
+          <p:cNvSpPr>
+            <a:spLocks noGrp="1" noRot="1" noChangeAspect="1" noMove="1" noResize="1" noEditPoints="1" noAdjustHandles="1" noChangeArrowheads="1" noChangeShapeType="1" noTextEdit="1"/>
+          </p:cNvSpPr>
+          <p:nvPr>
+            <p:extLst>
+              <p:ext uri="{386F3935-93C4-4BCD-93E2-E3B085C9AB24}">
+                <p16:designElem xmlns:p16="http://schemas.microsoft.com/office/powerpoint/2015/main" val="1"/>
+              </p:ext>
+            </p:extLst>
+          </p:nvPr>
+        </p:nvSpPr>
+        <p:spPr>
+          <a:xfrm flipV="1">
+            <a:off x="7550402" y="2455479"/>
+            <a:ext cx="4083433" cy="4083433"/>
+          </a:xfrm>
+          <a:prstGeom prst="arc">
+            <a:avLst/>
+          </a:prstGeom>
+          <a:ln w="127000" cap="rnd">
+            <a:solidFill>
+              <a:schemeClr val="accent4"/>
+            </a:solidFill>
+            <a:prstDash val="dash"/>
+          </a:ln>
+        </p:spPr>
+        <p:style>
+          <a:lnRef idx="1">
+            <a:schemeClr val="accent1"/>
+          </a:lnRef>
+          <a:fillRef idx="0">
+            <a:schemeClr val="accent1"/>
+          </a:fillRef>
+          <a:effectRef idx="0">
+            <a:schemeClr val="accent1"/>
+          </a:effectRef>
+          <a:fontRef idx="minor">
+            <a:schemeClr val="tx1"/>
+          </a:fontRef>
+        </p:style>
+        <p:txBody>
+          <a:bodyPr rtlCol="0" anchor="ctr"/>
+          <a:lstStyle/>
+          <a:p>
+            <a:pPr algn="ctr"/>
+            <a:endParaRPr lang="en-US" dirty="0"/>
+          </a:p>
+        </p:txBody>
+      </p:sp>
+      <p:pic>
+        <p:nvPicPr>
+          <p:cNvPr id="5" name="Grafik 4" descr="Ein Bild, das Schrank enthält.&#10;&#10;Automatisch generierte Beschreibung">
+            <a:extLst>
+              <a:ext uri="{FF2B5EF4-FFF2-40B4-BE49-F238E27FC236}">
+                <a16:creationId xmlns:a16="http://schemas.microsoft.com/office/drawing/2014/main" id="{08F0EA86-7687-4784-B710-1C2DABE5A105}"/>
+              </a:ext>
+            </a:extLst>
+          </p:cNvPr>
+          <p:cNvPicPr>
+            <a:picLocks noChangeAspect="1"/>
+          </p:cNvPicPr>
+          <p:nvPr/>
+        </p:nvPicPr>
+        <p:blipFill>
+          <a:blip r:embed="rId2">
+            <a:extLst>
+              <a:ext uri="{28A0092B-C50C-407E-A947-70E740481C1C}">
+                <a14:useLocalDpi xmlns:a14="http://schemas.microsoft.com/office/drawing/2010/main" val="0"/>
+              </a:ext>
+            </a:extLst>
+          </a:blip>
+          <a:stretch>
+            <a:fillRect/>
+          </a:stretch>
+        </p:blipFill>
+        <p:spPr>
+          <a:xfrm>
+            <a:off x="4239738" y="769481"/>
+            <a:ext cx="7446652" cy="5319037"/>
+          </a:xfrm>
+          <a:prstGeom prst="rect">
+            <a:avLst/>
+          </a:prstGeom>
+        </p:spPr>
+      </p:pic>
+    </p:spTree>
+    <p:extLst>
+      <p:ext uri="{BB962C8B-B14F-4D97-AF65-F5344CB8AC3E}">
+        <p14:creationId xmlns:p14="http://schemas.microsoft.com/office/powerpoint/2010/main" val="3161112583"/>
+      </p:ext>
+    </p:extLst>
+  </p:cSld>
+  <p:clrMapOvr>
+    <a:masterClrMapping/>
+  </p:clrMapOvr>
+</p:sld>
+</file>
+
+<file path=ppt/slides/slide7.xml><?xml version="1.0" encoding="utf-8"?>
+<p:sld xmlns:a="http://schemas.openxmlformats.org/drawingml/2006/main" xmlns:r="http://schemas.openxmlformats.org/officeDocument/2006/relationships" xmlns:p="http://schemas.openxmlformats.org/presentationml/2006/main">
+  <p:cSld>
+    <p:bg>
+      <p:bgPr>
+        <a:solidFill>
+          <a:schemeClr val="bg1"/>
+        </a:solidFill>
+        <a:effectLst/>
+      </p:bgPr>
+    </p:bg>
+    <p:spTree>
+      <p:nvGrpSpPr>
+        <p:cNvPr id="1" name=""/>
+        <p:cNvGrpSpPr/>
+        <p:nvPr/>
+      </p:nvGrpSpPr>
+      <p:grpSpPr>
+        <a:xfrm>
+          <a:off x="0" y="0"/>
+          <a:ext cx="0" cy="0"/>
+          <a:chOff x="0" y="0"/>
+          <a:chExt cx="0" cy="0"/>
+        </a:xfrm>
+      </p:grpSpPr>
+      <p:sp useBgFill="1">
+        <p:nvSpPr>
+          <p:cNvPr id="14" name="Rectangle 7">
+            <a:extLst>
+              <a:ext uri="{FF2B5EF4-FFF2-40B4-BE49-F238E27FC236}">
+                <a16:creationId xmlns:a16="http://schemas.microsoft.com/office/drawing/2014/main" id="{907EF6B7-1338-4443-8C46-6A318D952DFD}"/>
+              </a:ext>
+              <a:ext uri="{C183D7F6-B498-43B3-948B-1728B52AA6E4}">
+                <adec:decorative xmlns:adec="http://schemas.microsoft.com/office/drawing/2017/decorative" val="1"/>
+              </a:ext>
+            </a:extLst>
+          </p:cNvPr>
+          <p:cNvSpPr>
+            <a:spLocks noGrp="1" noRot="1" noChangeAspect="1" noMove="1" noResize="1" noEditPoints="1" noAdjustHandles="1" noChangeArrowheads="1" noChangeShapeType="1" noTextEdit="1"/>
+          </p:cNvSpPr>
+          <p:nvPr>
+            <p:extLst>
+              <p:ext uri="{386F3935-93C4-4BCD-93E2-E3B085C9AB24}">
+                <p16:designElem xmlns:p16="http://schemas.microsoft.com/office/powerpoint/2015/main" val="1"/>
+              </p:ext>
+            </p:extLst>
+          </p:nvPr>
+        </p:nvSpPr>
+        <p:spPr>
+          <a:xfrm>
+            <a:off x="3048" y="0"/>
+            <a:ext cx="12188952" cy="6858000"/>
+          </a:xfrm>
+          <a:prstGeom prst="rect">
+            <a:avLst/>
+          </a:prstGeom>
+          <a:ln>
+            <a:noFill/>
+          </a:ln>
+        </p:spPr>
+        <p:style>
+          <a:lnRef idx="2">
+            <a:schemeClr val="accent1">
+              <a:shade val="50000"/>
+            </a:schemeClr>
+          </a:lnRef>
+          <a:fillRef idx="1">
+            <a:schemeClr val="accent1"/>
+          </a:fillRef>
+          <a:effectRef idx="0">
+            <a:schemeClr val="accent1"/>
+          </a:effectRef>
+          <a:fontRef idx="minor">
+            <a:schemeClr val="lt1"/>
+          </a:fontRef>
+        </p:style>
+        <p:txBody>
+          <a:bodyPr rtlCol="0" anchor="ctr"/>
+          <a:lstStyle/>
+          <a:p>
+            <a:pPr algn="ctr"/>
+            <a:endParaRPr lang="en-US"/>
+          </a:p>
+        </p:txBody>
+      </p:sp>
+      <p:sp>
+        <p:nvSpPr>
+          <p:cNvPr id="15" name="Freeform: Shape 9">
+            <a:extLst>
+              <a:ext uri="{FF2B5EF4-FFF2-40B4-BE49-F238E27FC236}">
+                <a16:creationId xmlns:a16="http://schemas.microsoft.com/office/drawing/2014/main" id="{DAAE4CDD-124C-4DCF-9584-B6033B545DD5}"/>
+              </a:ext>
+              <a:ext uri="{C183D7F6-B498-43B3-948B-1728B52AA6E4}">
+                <adec:decorative xmlns:adec="http://schemas.microsoft.com/office/drawing/2017/decorative" val="1"/>
+              </a:ext>
+            </a:extLst>
+          </p:cNvPr>
+          <p:cNvSpPr>
+            <a:spLocks noGrp="1" noRot="1" noChangeAspect="1" noMove="1" noResize="1" noEditPoints="1" noAdjustHandles="1" noChangeArrowheads="1" noChangeShapeType="1" noTextEdit="1"/>
+          </p:cNvSpPr>
+          <p:nvPr>
+            <p:extLst>
+              <p:ext uri="{386F3935-93C4-4BCD-93E2-E3B085C9AB24}">
+                <p16:designElem xmlns:p16="http://schemas.microsoft.com/office/powerpoint/2015/main" val="1"/>
+              </p:ext>
+            </p:extLst>
+          </p:nvPr>
+        </p:nvSpPr>
+        <p:spPr>
+          <a:xfrm>
+            <a:off x="1" y="0"/>
+            <a:ext cx="4167271" cy="6858000"/>
+          </a:xfrm>
+          <a:custGeom>
+            <a:avLst/>
+            <a:gdLst>
+              <a:gd name="connsiteX0" fmla="*/ 0 w 4167271"/>
+              <a:gd name="connsiteY0" fmla="*/ 0 h 6858000"/>
+              <a:gd name="connsiteX1" fmla="*/ 2259550 w 4167271"/>
+              <a:gd name="connsiteY1" fmla="*/ 0 h 6858000"/>
+              <a:gd name="connsiteX2" fmla="*/ 2387803 w 4167271"/>
+              <a:gd name="connsiteY2" fmla="*/ 82222 h 6858000"/>
+              <a:gd name="connsiteX3" fmla="*/ 4167271 w 4167271"/>
+              <a:gd name="connsiteY3" fmla="*/ 3429000 h 6858000"/>
+              <a:gd name="connsiteX4" fmla="*/ 2387803 w 4167271"/>
+              <a:gd name="connsiteY4" fmla="*/ 6775779 h 6858000"/>
+              <a:gd name="connsiteX5" fmla="*/ 2259550 w 4167271"/>
+              <a:gd name="connsiteY5" fmla="*/ 6858000 h 6858000"/>
+              <a:gd name="connsiteX6" fmla="*/ 0 w 4167271"/>
+              <a:gd name="connsiteY6" fmla="*/ 6858000 h 6858000"/>
+            </a:gdLst>
+            <a:ahLst/>
+            <a:cxnLst>
+              <a:cxn ang="0">
+                <a:pos x="connsiteX0" y="connsiteY0"/>
+              </a:cxn>
+              <a:cxn ang="0">
+                <a:pos x="connsiteX1" y="connsiteY1"/>
+              </a:cxn>
+              <a:cxn ang="0">
+                <a:pos x="connsiteX2" y="connsiteY2"/>
+              </a:cxn>
+              <a:cxn ang="0">
+                <a:pos x="connsiteX3" y="connsiteY3"/>
+              </a:cxn>
+              <a:cxn ang="0">
+                <a:pos x="connsiteX4" y="connsiteY4"/>
+              </a:cxn>
+              <a:cxn ang="0">
+                <a:pos x="connsiteX5" y="connsiteY5"/>
+              </a:cxn>
+              <a:cxn ang="0">
+                <a:pos x="connsiteX6" y="connsiteY6"/>
+              </a:cxn>
+            </a:cxnLst>
+            <a:rect l="l" t="t" r="r" b="b"/>
+            <a:pathLst>
+              <a:path w="4167271" h="6858000">
+                <a:moveTo>
+                  <a:pt x="0" y="0"/>
+                </a:moveTo>
+                <a:lnTo>
+                  <a:pt x="2259550" y="0"/>
+                </a:lnTo>
+                <a:lnTo>
+                  <a:pt x="2387803" y="82222"/>
+                </a:lnTo>
+                <a:cubicBezTo>
+                  <a:pt x="3461407" y="807534"/>
+                  <a:pt x="4167271" y="2035835"/>
+                  <a:pt x="4167271" y="3429000"/>
+                </a:cubicBezTo>
+                <a:cubicBezTo>
+                  <a:pt x="4167271" y="4822165"/>
+                  <a:pt x="3461407" y="6050467"/>
+                  <a:pt x="2387803" y="6775779"/>
+                </a:cubicBezTo>
+                <a:lnTo>
+                  <a:pt x="2259550" y="6858000"/>
+                </a:lnTo>
+                <a:lnTo>
+                  <a:pt x="0" y="6858000"/>
+                </a:lnTo>
+                <a:close/>
+              </a:path>
+            </a:pathLst>
+          </a:custGeom>
+          <a:solidFill>
+            <a:schemeClr val="accent2"/>
+          </a:solidFill>
+          <a:ln>
+            <a:noFill/>
+          </a:ln>
+        </p:spPr>
+        <p:style>
+          <a:lnRef idx="2">
+            <a:schemeClr val="accent1">
+              <a:shade val="50000"/>
+            </a:schemeClr>
+          </a:lnRef>
+          <a:fillRef idx="1">
+            <a:schemeClr val="accent1"/>
+          </a:fillRef>
+          <a:effectRef idx="0">
+            <a:schemeClr val="accent1"/>
+          </a:effectRef>
+          <a:fontRef idx="minor">
+            <a:schemeClr val="lt1"/>
+          </a:fontRef>
+        </p:style>
+        <p:txBody>
+          <a:bodyPr rtlCol="0" anchor="ctr"/>
+          <a:lstStyle/>
+          <a:p>
+            <a:pPr algn="ctr"/>
+            <a:endParaRPr lang="en-US"/>
+          </a:p>
+        </p:txBody>
+      </p:sp>
+      <p:sp>
+        <p:nvSpPr>
+          <p:cNvPr id="2" name="Titel 1">
+            <a:extLst>
+              <a:ext uri="{FF2B5EF4-FFF2-40B4-BE49-F238E27FC236}">
+                <a16:creationId xmlns:a16="http://schemas.microsoft.com/office/drawing/2014/main" id="{ACCC8BC1-252C-4D7D-A653-EFDE6D11FDC7}"/>
+              </a:ext>
+            </a:extLst>
+          </p:cNvPr>
+          <p:cNvSpPr>
+            <a:spLocks noGrp="1"/>
+          </p:cNvSpPr>
+          <p:nvPr>
+            <p:ph type="title"/>
+          </p:nvPr>
+        </p:nvSpPr>
+        <p:spPr>
+          <a:xfrm>
+            <a:off x="686834" y="1153572"/>
+            <a:ext cx="3200400" cy="4461163"/>
+          </a:xfrm>
+        </p:spPr>
+        <p:txBody>
+          <a:bodyPr>
+            <a:normAutofit/>
+          </a:bodyPr>
+          <a:lstStyle/>
+          <a:p>
+            <a:r>
+              <a:rPr lang="de-DE" dirty="0">
+                <a:solidFill>
+                  <a:srgbClr val="FFFFFF"/>
+                </a:solidFill>
+              </a:rPr>
+              <a:t>Cluster</a:t>
+            </a:r>
+            <a:br>
+              <a:rPr lang="de-DE" dirty="0">
+                <a:solidFill>
+                  <a:srgbClr val="FFFFFF"/>
+                </a:solidFill>
+              </a:rPr>
+            </a:br>
+            <a:r>
+              <a:rPr lang="de-DE" dirty="0" err="1">
+                <a:solidFill>
+                  <a:srgbClr val="FFFFFF"/>
+                </a:solidFill>
+              </a:rPr>
+              <a:t>Profiles</a:t>
+            </a:r>
+            <a:endParaRPr lang="de-DE" dirty="0">
+              <a:solidFill>
+                <a:srgbClr val="FFFFFF"/>
+              </a:solidFill>
+            </a:endParaRPr>
+          </a:p>
+        </p:txBody>
+      </p:sp>
+      <p:sp>
+        <p:nvSpPr>
+          <p:cNvPr id="16" name="Arc 11">
+            <a:extLst>
+              <a:ext uri="{FF2B5EF4-FFF2-40B4-BE49-F238E27FC236}">
+                <a16:creationId xmlns:a16="http://schemas.microsoft.com/office/drawing/2014/main" id="{081E4A58-353D-44AE-B2FC-2A74E2E400F7}"/>
+              </a:ext>
+              <a:ext uri="{C183D7F6-B498-43B3-948B-1728B52AA6E4}">
+                <adec:decorative xmlns:adec="http://schemas.microsoft.com/office/drawing/2017/decorative" val="1"/>
+              </a:ext>
+            </a:extLst>
+          </p:cNvPr>
+          <p:cNvSpPr>
+            <a:spLocks noGrp="1" noRot="1" noChangeAspect="1" noMove="1" noResize="1" noEditPoints="1" noAdjustHandles="1" noChangeArrowheads="1" noChangeShapeType="1" noTextEdit="1"/>
+          </p:cNvSpPr>
+          <p:nvPr>
+            <p:extLst>
+              <p:ext uri="{386F3935-93C4-4BCD-93E2-E3B085C9AB24}">
+                <p16:designElem xmlns:p16="http://schemas.microsoft.com/office/powerpoint/2015/main" val="1"/>
+              </p:ext>
+            </p:extLst>
+          </p:nvPr>
+        </p:nvSpPr>
+        <p:spPr>
+          <a:xfrm flipV="1">
+            <a:off x="7550402" y="2455479"/>
+            <a:ext cx="4083433" cy="4083433"/>
+          </a:xfrm>
+          <a:prstGeom prst="arc">
+            <a:avLst/>
+          </a:prstGeom>
+          <a:ln w="127000" cap="rnd">
+            <a:solidFill>
+              <a:schemeClr val="accent4"/>
+            </a:solidFill>
+            <a:prstDash val="dash"/>
+          </a:ln>
+        </p:spPr>
+        <p:style>
+          <a:lnRef idx="1">
+            <a:schemeClr val="accent1"/>
+          </a:lnRef>
+          <a:fillRef idx="0">
+            <a:schemeClr val="accent1"/>
+          </a:fillRef>
+          <a:effectRef idx="0">
+            <a:schemeClr val="accent1"/>
+          </a:effectRef>
+          <a:fontRef idx="minor">
+            <a:schemeClr val="tx1"/>
+          </a:fontRef>
+        </p:style>
+        <p:txBody>
+          <a:bodyPr rtlCol="0" anchor="ctr"/>
+          <a:lstStyle/>
+          <a:p>
+            <a:pPr algn="ctr"/>
+            <a:endParaRPr lang="en-US" dirty="0"/>
+          </a:p>
+        </p:txBody>
+      </p:sp>
+      <p:sp>
+        <p:nvSpPr>
+          <p:cNvPr id="3" name="Textfeld 2">
+            <a:extLst>
+              <a:ext uri="{FF2B5EF4-FFF2-40B4-BE49-F238E27FC236}">
+                <a16:creationId xmlns:a16="http://schemas.microsoft.com/office/drawing/2014/main" id="{70C54025-D0D6-45B2-8E20-31ACD47C2CF9}"/>
+              </a:ext>
+            </a:extLst>
+          </p:cNvPr>
+          <p:cNvSpPr txBox="1"/>
+          <p:nvPr/>
+        </p:nvSpPr>
+        <p:spPr>
+          <a:xfrm flipH="1">
+            <a:off x="4851058" y="1166842"/>
+            <a:ext cx="6073715" cy="4524315"/>
+          </a:xfrm>
+          <a:prstGeom prst="rect">
+            <a:avLst/>
+          </a:prstGeom>
+          <a:noFill/>
+        </p:spPr>
+        <p:txBody>
+          <a:bodyPr wrap="square" rtlCol="0">
+            <a:spAutoFit/>
+          </a:bodyPr>
+          <a:lstStyle/>
+          <a:p>
+            <a:pPr marL="285750" indent="-285750">
+              <a:buFont typeface="Arial" panose="020B0604020202020204" pitchFamily="34" charset="0"/>
+              <a:buChar char="•"/>
+            </a:pPr>
+            <a:r>
+              <a:rPr lang="en-US" sz="2400" b="1" dirty="0">
+                <a:latin typeface="Arial Nova" panose="020B0504020202020204" pitchFamily="34" charset="0"/>
+              </a:rPr>
+              <a:t>Cluster 0</a:t>
+            </a:r>
+            <a:r>
+              <a:rPr lang="en-US" sz="2400" dirty="0">
+                <a:latin typeface="Arial Nova" panose="020B0504020202020204" pitchFamily="34" charset="0"/>
+              </a:rPr>
+              <a:t> (e.g. Westminster, City of London): high price level, few private rooms, many restaurants</a:t>
+            </a:r>
+          </a:p>
+          <a:p>
+            <a:pPr marL="285750" indent="-285750">
+              <a:buFont typeface="Arial" panose="020B0604020202020204" pitchFamily="34" charset="0"/>
+              <a:buChar char="•"/>
+            </a:pPr>
+            <a:r>
+              <a:rPr lang="en-US" sz="2400" b="1" dirty="0">
+                <a:latin typeface="Arial Nova" panose="020B0504020202020204" pitchFamily="34" charset="0"/>
+              </a:rPr>
+              <a:t>Cluster 1</a:t>
+            </a:r>
+            <a:r>
+              <a:rPr lang="en-US" sz="2400" dirty="0">
+                <a:latin typeface="Arial Nova" panose="020B0504020202020204" pitchFamily="34" charset="0"/>
+              </a:rPr>
+              <a:t> (e.g. Brent, </a:t>
+            </a:r>
+            <a:r>
+              <a:rPr lang="en-US" sz="2400" dirty="0" err="1">
+                <a:latin typeface="Arial Nova" panose="020B0504020202020204" pitchFamily="34" charset="0"/>
+              </a:rPr>
+              <a:t>Newham</a:t>
+            </a:r>
+            <a:r>
+              <a:rPr lang="en-US" sz="2400" dirty="0">
+                <a:latin typeface="Arial Nova" panose="020B0504020202020204" pitchFamily="34" charset="0"/>
+              </a:rPr>
+              <a:t>): relatively low price level, many private rooms, many shops</a:t>
+            </a:r>
+          </a:p>
+          <a:p>
+            <a:pPr marL="285750" indent="-285750">
+              <a:buFont typeface="Arial" panose="020B0604020202020204" pitchFamily="34" charset="0"/>
+              <a:buChar char="•"/>
+            </a:pPr>
+            <a:r>
+              <a:rPr lang="en-US" sz="2400" b="1" dirty="0">
+                <a:latin typeface="Arial Nova" panose="020B0504020202020204" pitchFamily="34" charset="0"/>
+              </a:rPr>
+              <a:t>Cluster 2</a:t>
+            </a:r>
+            <a:r>
+              <a:rPr lang="en-US" sz="2400" dirty="0">
+                <a:latin typeface="Arial Nova" panose="020B0504020202020204" pitchFamily="34" charset="0"/>
+              </a:rPr>
+              <a:t> (e.g. Bromley, Croydon): low price level, many private rooms, many outdoors &amp; recreation venues</a:t>
+            </a:r>
+          </a:p>
+          <a:p>
+            <a:pPr marL="285750" indent="-285750">
+              <a:buFont typeface="Arial" panose="020B0604020202020204" pitchFamily="34" charset="0"/>
+              <a:buChar char="•"/>
+            </a:pPr>
+            <a:r>
+              <a:rPr lang="en-US" sz="2400" b="1" dirty="0">
+                <a:latin typeface="Arial Nova" panose="020B0504020202020204" pitchFamily="34" charset="0"/>
+              </a:rPr>
+              <a:t>Cluster 3 </a:t>
+            </a:r>
+            <a:r>
+              <a:rPr lang="en-US" sz="2400" dirty="0">
+                <a:latin typeface="Arial Nova" panose="020B0504020202020204" pitchFamily="34" charset="0"/>
+              </a:rPr>
+              <a:t>(e. g. Camden, Islington): moderate price level, many private rooms, many nightlife venues</a:t>
+            </a:r>
+            <a:endParaRPr lang="de-DE" sz="2400" dirty="0">
+              <a:latin typeface="Arial Nova" panose="020B0504020202020204" pitchFamily="34" charset="0"/>
+            </a:endParaRPr>
+          </a:p>
+        </p:txBody>
+      </p:sp>
+    </p:spTree>
+    <p:extLst>
+      <p:ext uri="{BB962C8B-B14F-4D97-AF65-F5344CB8AC3E}">
+        <p14:creationId xmlns:p14="http://schemas.microsoft.com/office/powerpoint/2010/main" val="3124653004"/>
       </p:ext>
     </p:extLst>
   </p:cSld>
